--- a/Lecture08_HealthEquity/L8Slides_HealthEquity_2023W.pptx
+++ b/Lecture08_HealthEquity/L8Slides_HealthEquity_2023W.pptx
@@ -5,7 +5,7 @@
     <p:sldMasterId id="2147483738" r:id="rId1"/>
   </p:sldMasterIdLst>
   <p:notesMasterIdLst>
-    <p:notesMasterId r:id="rId30"/>
+    <p:notesMasterId r:id="rId29"/>
   </p:notesMasterIdLst>
   <p:sldIdLst>
     <p:sldId id="256" r:id="rId2"/>
@@ -33,9 +33,8 @@
     <p:sldId id="501" r:id="rId24"/>
     <p:sldId id="500" r:id="rId25"/>
     <p:sldId id="484" r:id="rId26"/>
-    <p:sldId id="483" r:id="rId27"/>
-    <p:sldId id="414" r:id="rId28"/>
-    <p:sldId id="413" r:id="rId29"/>
+    <p:sldId id="414" r:id="rId27"/>
+    <p:sldId id="413" r:id="rId28"/>
   </p:sldIdLst>
   <p:sldSz cx="12192000" cy="6858000"/>
   <p:notesSz cx="7010400" cy="9296400"/>
@@ -235,7 +234,7 @@
           <a:p>
             <a:fld id="{EF911157-0FC2-4F06-8D61-FD647FE4E19D}" type="datetimeFigureOut">
               <a:rPr lang="en-US" smtClean="0"/>
-              <a:t>1/3/2023</a:t>
+              <a:t>3/1/2023</a:t>
             </a:fld>
             <a:endParaRPr lang="en-US"/>
           </a:p>
@@ -1691,7 +1690,23 @@
           <a:p>
             <a:r>
               <a:rPr lang="en-CA" dirty="0"/>
-              <a:t>Cover if time. Also add more empirical findings here (mention your own work)</a:t>
+              <a:t>Meant to give an idea of how to take a model off the shelf and </a:t>
+            </a:r>
+            <a:r>
+              <a:rPr lang="en-CA"/>
+              <a:t>apply it. Cover </a:t>
+            </a:r>
+            <a:r>
+              <a:rPr lang="en-CA" dirty="0"/>
+              <a:t>Chandra et al as an empirical </a:t>
+            </a:r>
+            <a:r>
+              <a:rPr lang="en-CA" dirty="0" err="1"/>
+              <a:t>followup</a:t>
+            </a:r>
+            <a:r>
+              <a:rPr lang="en-CA" dirty="0"/>
+              <a:t> if there’s time. </a:t>
             </a:r>
           </a:p>
         </p:txBody>
@@ -1776,22 +1791,6 @@
           <a:bodyPr/>
           <a:lstStyle/>
           <a:p>
-            <a:r>
-              <a:rPr lang="en-CA" dirty="0"/>
-              <a:t>Cover if time. Look at Lang-Lehman’s discussion on this in Section 7. How does this fit into the theory? Also base off of </a:t>
-            </a:r>
-            <a:r>
-              <a:rPr lang="en-CA" dirty="0" err="1"/>
-              <a:t>Angerer</a:t>
-            </a:r>
-            <a:r>
-              <a:rPr lang="en-CA" dirty="0"/>
-              <a:t> et al (2019) even though you didn’t assign this </a:t>
-            </a:r>
-            <a:r>
-              <a:rPr lang="en-CA"/>
-              <a:t>as reading. </a:t>
-            </a:r>
             <a:endParaRPr lang="en-CA" dirty="0"/>
           </a:p>
         </p:txBody>
@@ -1814,90 +1813,6 @@
             <a:fld id="{4AF79E1B-2C51-4B9B-8EA4-26DE9E345AFF}" type="slidenum">
               <a:rPr lang="en-US" smtClean="0"/>
               <a:t>26</a:t>
-            </a:fld>
-            <a:endParaRPr lang="en-US"/>
-          </a:p>
-        </p:txBody>
-      </p:sp>
-    </p:spTree>
-    <p:extLst>
-      <p:ext uri="{BB962C8B-B14F-4D97-AF65-F5344CB8AC3E}">
-        <p14:creationId xmlns:p14="http://schemas.microsoft.com/office/powerpoint/2010/main" val="2646973618"/>
-      </p:ext>
-    </p:extLst>
-  </p:cSld>
-  <p:clrMapOvr>
-    <a:masterClrMapping/>
-  </p:clrMapOvr>
-</p:notes>
-</file>
-
-<file path=ppt/notesSlides/notesSlide23.xml><?xml version="1.0" encoding="utf-8"?>
-<p:notes xmlns:a="http://schemas.openxmlformats.org/drawingml/2006/main" xmlns:r="http://schemas.openxmlformats.org/officeDocument/2006/relationships" xmlns:p="http://schemas.openxmlformats.org/presentationml/2006/main">
-  <p:cSld>
-    <p:spTree>
-      <p:nvGrpSpPr>
-        <p:cNvPr id="1" name=""/>
-        <p:cNvGrpSpPr/>
-        <p:nvPr/>
-      </p:nvGrpSpPr>
-      <p:grpSpPr>
-        <a:xfrm>
-          <a:off x="0" y="0"/>
-          <a:ext cx="0" cy="0"/>
-          <a:chOff x="0" y="0"/>
-          <a:chExt cx="0" cy="0"/>
-        </a:xfrm>
-      </p:grpSpPr>
-      <p:sp>
-        <p:nvSpPr>
-          <p:cNvPr id="2" name="Slide Image Placeholder 1"/>
-          <p:cNvSpPr>
-            <a:spLocks noGrp="1" noRot="1" noChangeAspect="1"/>
-          </p:cNvSpPr>
-          <p:nvPr>
-            <p:ph type="sldImg"/>
-          </p:nvPr>
-        </p:nvSpPr>
-        <p:spPr/>
-      </p:sp>
-      <p:sp>
-        <p:nvSpPr>
-          <p:cNvPr id="3" name="Notes Placeholder 2"/>
-          <p:cNvSpPr>
-            <a:spLocks noGrp="1"/>
-          </p:cNvSpPr>
-          <p:nvPr>
-            <p:ph type="body" idx="1"/>
-          </p:nvPr>
-        </p:nvSpPr>
-        <p:spPr/>
-        <p:txBody>
-          <a:bodyPr/>
-          <a:lstStyle/>
-          <a:p>
-            <a:endParaRPr lang="en-CA" dirty="0"/>
-          </a:p>
-        </p:txBody>
-      </p:sp>
-      <p:sp>
-        <p:nvSpPr>
-          <p:cNvPr id="4" name="Slide Number Placeholder 3"/>
-          <p:cNvSpPr>
-            <a:spLocks noGrp="1"/>
-          </p:cNvSpPr>
-          <p:nvPr>
-            <p:ph type="sldNum" sz="quarter" idx="5"/>
-          </p:nvPr>
-        </p:nvSpPr>
-        <p:spPr/>
-        <p:txBody>
-          <a:bodyPr/>
-          <a:lstStyle/>
-          <a:p>
-            <a:fld id="{4AF79E1B-2C51-4B9B-8EA4-26DE9E345AFF}" type="slidenum">
-              <a:rPr lang="en-US" smtClean="0"/>
-              <a:t>27</a:t>
             </a:fld>
             <a:endParaRPr lang="en-US"/>
           </a:p>
@@ -2747,7 +2662,7 @@
             <a:fld id="{0972D05C-DCFB-4BB6-B49C-AC126BF3ED2C}" type="datetimeFigureOut">
               <a:rPr lang="en-US" smtClean="0"/>
               <a:pPr/>
-              <a:t>1/3/2023</a:t>
+              <a:t>3/1/2023</a:t>
             </a:fld>
             <a:endParaRPr lang="en-US"/>
           </a:p>
@@ -2977,7 +2892,7 @@
             <a:fld id="{0972D05C-DCFB-4BB6-B49C-AC126BF3ED2C}" type="datetimeFigureOut">
               <a:rPr lang="en-US" smtClean="0"/>
               <a:pPr/>
-              <a:t>1/3/2023</a:t>
+              <a:t>3/1/2023</a:t>
             </a:fld>
             <a:endParaRPr lang="en-US"/>
           </a:p>
@@ -3159,7 +3074,7 @@
             <a:fld id="{0972D05C-DCFB-4BB6-B49C-AC126BF3ED2C}" type="datetimeFigureOut">
               <a:rPr lang="en-US" smtClean="0"/>
               <a:pPr/>
-              <a:t>1/3/2023</a:t>
+              <a:t>3/1/2023</a:t>
             </a:fld>
             <a:endParaRPr lang="en-US"/>
           </a:p>
@@ -3331,7 +3246,7 @@
             <a:fld id="{0972D05C-DCFB-4BB6-B49C-AC126BF3ED2C}" type="datetimeFigureOut">
               <a:rPr lang="en-US" smtClean="0"/>
               <a:pPr/>
-              <a:t>1/3/2023</a:t>
+              <a:t>3/1/2023</a:t>
             </a:fld>
             <a:endParaRPr lang="en-US"/>
           </a:p>
@@ -3587,7 +3502,7 @@
             <a:fld id="{0972D05C-DCFB-4BB6-B49C-AC126BF3ED2C}" type="datetimeFigureOut">
               <a:rPr lang="en-US" smtClean="0"/>
               <a:pPr/>
-              <a:t>1/3/2023</a:t>
+              <a:t>3/1/2023</a:t>
             </a:fld>
             <a:endParaRPr lang="en-US"/>
           </a:p>
@@ -3915,7 +3830,7 @@
             <a:fld id="{0972D05C-DCFB-4BB6-B49C-AC126BF3ED2C}" type="datetimeFigureOut">
               <a:rPr lang="en-US" smtClean="0"/>
               <a:pPr/>
-              <a:t>1/3/2023</a:t>
+              <a:t>3/1/2023</a:t>
             </a:fld>
             <a:endParaRPr lang="en-US"/>
           </a:p>
@@ -4368,7 +4283,7 @@
             <a:fld id="{0972D05C-DCFB-4BB6-B49C-AC126BF3ED2C}" type="datetimeFigureOut">
               <a:rPr lang="en-US" smtClean="0"/>
               <a:pPr/>
-              <a:t>1/3/2023</a:t>
+              <a:t>3/1/2023</a:t>
             </a:fld>
             <a:endParaRPr lang="en-US"/>
           </a:p>
@@ -4488,7 +4403,7 @@
             <a:fld id="{0972D05C-DCFB-4BB6-B49C-AC126BF3ED2C}" type="datetimeFigureOut">
               <a:rPr lang="en-US" smtClean="0"/>
               <a:pPr/>
-              <a:t>1/3/2023</a:t>
+              <a:t>3/1/2023</a:t>
             </a:fld>
             <a:endParaRPr lang="en-US"/>
           </a:p>
@@ -4585,7 +4500,7 @@
             <a:fld id="{0972D05C-DCFB-4BB6-B49C-AC126BF3ED2C}" type="datetimeFigureOut">
               <a:rPr lang="en-US" smtClean="0"/>
               <a:pPr/>
-              <a:t>1/3/2023</a:t>
+              <a:t>3/1/2023</a:t>
             </a:fld>
             <a:endParaRPr lang="en-US"/>
           </a:p>
@@ -4874,7 +4789,7 @@
             <a:fld id="{0972D05C-DCFB-4BB6-B49C-AC126BF3ED2C}" type="datetimeFigureOut">
               <a:rPr lang="en-US" smtClean="0"/>
               <a:pPr/>
-              <a:t>1/3/2023</a:t>
+              <a:t>3/1/2023</a:t>
             </a:fld>
             <a:endParaRPr lang="en-US"/>
           </a:p>
@@ -5198,7 +5113,7 @@
             <a:fld id="{0972D05C-DCFB-4BB6-B49C-AC126BF3ED2C}" type="datetimeFigureOut">
               <a:rPr lang="en-US" smtClean="0"/>
               <a:pPr/>
-              <a:t>1/3/2023</a:t>
+              <a:t>3/1/2023</a:t>
             </a:fld>
             <a:endParaRPr lang="en-US"/>
           </a:p>
@@ -5453,7 +5368,7 @@
             <a:fld id="{0972D05C-DCFB-4BB6-B49C-AC126BF3ED2C}" type="datetimeFigureOut">
               <a:rPr lang="en-US" smtClean="0"/>
               <a:pPr/>
-              <a:t>1/3/2023</a:t>
+              <a:t>3/1/2023</a:t>
             </a:fld>
             <a:endParaRPr lang="en-US" dirty="0"/>
           </a:p>
@@ -13750,13 +13665,13 @@
         </p:spPr>
         <p:txBody>
           <a:bodyPr>
-            <a:normAutofit fontScale="90000"/>
+            <a:normAutofit/>
           </a:bodyPr>
           <a:lstStyle/>
           <a:p>
             <a:r>
               <a:rPr lang="en-US" dirty="0"/>
-              <a:t>Baicker, Chandra, &amp; Skinner (2005)</a:t>
+              <a:t>Hoagland (2023)</a:t>
             </a:r>
           </a:p>
         </p:txBody>
@@ -14036,13 +13951,13 @@
           <a:p>
             <a:r>
               <a:rPr lang="en-US" sz="2400" dirty="0"/>
-              <a:t>“Geographic variation in health care and the problem of measuring racial disparities”</a:t>
+              <a:t>“Innovations and Inequities in Access to Medical Services”</a:t>
             </a:r>
           </a:p>
           <a:p>
             <a:r>
               <a:rPr lang="en-US" sz="2400" i="1" dirty="0"/>
-              <a:t>Perspectives in Biology and Medicine.</a:t>
+              <a:t>Working Paper </a:t>
             </a:r>
           </a:p>
         </p:txBody>
@@ -14095,348 +14010,6 @@
         </p:nvSpPr>
         <p:spPr>
           <a:xfrm>
-            <a:off x="1261872" y="3276600"/>
-            <a:ext cx="10625328" cy="1298448"/>
-          </a:xfrm>
-        </p:spPr>
-        <p:txBody>
-          <a:bodyPr>
-            <a:normAutofit/>
-          </a:bodyPr>
-          <a:lstStyle/>
-          <a:p>
-            <a:r>
-              <a:rPr lang="en-US" dirty="0"/>
-              <a:t>Audit Studies and Equity</a:t>
-            </a:r>
-          </a:p>
-        </p:txBody>
-      </p:sp>
-      <p:sp>
-        <p:nvSpPr>
-          <p:cNvPr id="7" name="Subtitle 4">
-            <a:extLst>
-              <a:ext uri="{FF2B5EF4-FFF2-40B4-BE49-F238E27FC236}">
-                <a16:creationId xmlns:a16="http://schemas.microsoft.com/office/drawing/2014/main" id="{592755C3-E09C-4692-E8D4-9A9FB12BD9A6}"/>
-              </a:ext>
-            </a:extLst>
-          </p:cNvPr>
-          <p:cNvSpPr txBox="1">
-            <a:spLocks/>
-          </p:cNvSpPr>
-          <p:nvPr/>
-        </p:nvSpPr>
-        <p:spPr>
-          <a:xfrm>
-            <a:off x="1235290" y="4814777"/>
-            <a:ext cx="9966109" cy="1691640"/>
-          </a:xfrm>
-          <a:prstGeom prst="rect">
-            <a:avLst/>
-          </a:prstGeom>
-        </p:spPr>
-        <p:txBody>
-          <a:bodyPr vert="horz" lIns="91440" tIns="45720" rIns="91440" bIns="45720" rtlCol="0">
-            <a:normAutofit/>
-          </a:bodyPr>
-          <a:lstStyle>
-            <a:lvl1pPr marL="0" indent="0" algn="l" defTabSz="914400" rtl="0" eaLnBrk="1" latinLnBrk="0" hangingPunct="1">
-              <a:lnSpc>
-                <a:spcPct val="95000"/>
-              </a:lnSpc>
-              <a:spcBef>
-                <a:spcPts val="1400"/>
-              </a:spcBef>
-              <a:spcAft>
-                <a:spcPts val="200"/>
-              </a:spcAft>
-              <a:buClr>
-                <a:schemeClr val="accent1"/>
-              </a:buClr>
-              <a:buSzPct val="80000"/>
-              <a:buFont typeface="Arial" pitchFamily="34" charset="0"/>
-              <a:buNone/>
-              <a:defRPr sz="2200" kern="1200" spc="10" baseline="0">
-                <a:solidFill>
-                  <a:schemeClr val="tx1">
-                    <a:lumMod val="75000"/>
-                  </a:schemeClr>
-                </a:solidFill>
-                <a:latin typeface="Times New Roman" panose="02020603050405020304" pitchFamily="18" charset="0"/>
-                <a:ea typeface="+mn-ea"/>
-                <a:cs typeface="+mn-cs"/>
-              </a:defRPr>
-            </a:lvl1pPr>
-            <a:lvl2pPr marL="457200" indent="0" algn="ctr" defTabSz="914400" rtl="0" eaLnBrk="1" latinLnBrk="0" hangingPunct="1">
-              <a:lnSpc>
-                <a:spcPct val="90000"/>
-              </a:lnSpc>
-              <a:spcBef>
-                <a:spcPts val="300"/>
-              </a:spcBef>
-              <a:spcAft>
-                <a:spcPts val="300"/>
-              </a:spcAft>
-              <a:buClr>
-                <a:schemeClr val="accent1"/>
-              </a:buClr>
-              <a:buFont typeface="Wingdings 2" pitchFamily="18" charset="2"/>
-              <a:buNone/>
-              <a:defRPr sz="2200" kern="1200">
-                <a:solidFill>
-                  <a:schemeClr val="tx1">
-                    <a:lumMod val="85000"/>
-                    <a:lumOff val="15000"/>
-                  </a:schemeClr>
-                </a:solidFill>
-                <a:latin typeface="Times New Roman" panose="02020603050405020304" pitchFamily="18" charset="0"/>
-                <a:ea typeface="+mn-ea"/>
-                <a:cs typeface="+mn-cs"/>
-              </a:defRPr>
-            </a:lvl2pPr>
-            <a:lvl3pPr marL="914400" indent="0" algn="ctr" defTabSz="914400" rtl="0" eaLnBrk="1" latinLnBrk="0" hangingPunct="1">
-              <a:lnSpc>
-                <a:spcPct val="90000"/>
-              </a:lnSpc>
-              <a:spcBef>
-                <a:spcPts val="300"/>
-              </a:spcBef>
-              <a:spcAft>
-                <a:spcPts val="300"/>
-              </a:spcAft>
-              <a:buClr>
-                <a:schemeClr val="accent1"/>
-              </a:buClr>
-              <a:buFont typeface="Wingdings 2" pitchFamily="18" charset="2"/>
-              <a:buNone/>
-              <a:defRPr sz="2200" kern="1200">
-                <a:solidFill>
-                  <a:schemeClr val="tx1">
-                    <a:lumMod val="85000"/>
-                    <a:lumOff val="15000"/>
-                  </a:schemeClr>
-                </a:solidFill>
-                <a:latin typeface="Times New Roman" panose="02020603050405020304" pitchFamily="18" charset="0"/>
-                <a:ea typeface="+mn-ea"/>
-                <a:cs typeface="+mn-cs"/>
-              </a:defRPr>
-            </a:lvl3pPr>
-            <a:lvl4pPr marL="1371600" indent="0" algn="ctr" defTabSz="914400" rtl="0" eaLnBrk="1" latinLnBrk="0" hangingPunct="1">
-              <a:lnSpc>
-                <a:spcPct val="90000"/>
-              </a:lnSpc>
-              <a:spcBef>
-                <a:spcPts val="300"/>
-              </a:spcBef>
-              <a:spcAft>
-                <a:spcPts val="300"/>
-              </a:spcAft>
-              <a:buClr>
-                <a:schemeClr val="accent1"/>
-              </a:buClr>
-              <a:buFont typeface="Wingdings 2" pitchFamily="18" charset="2"/>
-              <a:buNone/>
-              <a:defRPr sz="2000" kern="1200">
-                <a:solidFill>
-                  <a:schemeClr val="tx1">
-                    <a:lumMod val="85000"/>
-                    <a:lumOff val="15000"/>
-                  </a:schemeClr>
-                </a:solidFill>
-                <a:latin typeface="Times New Roman" panose="02020603050405020304" pitchFamily="18" charset="0"/>
-                <a:ea typeface="+mn-ea"/>
-                <a:cs typeface="+mn-cs"/>
-              </a:defRPr>
-            </a:lvl4pPr>
-            <a:lvl5pPr marL="1828800" indent="0" algn="ctr" defTabSz="914400" rtl="0" eaLnBrk="1" latinLnBrk="0" hangingPunct="1">
-              <a:lnSpc>
-                <a:spcPct val="90000"/>
-              </a:lnSpc>
-              <a:spcBef>
-                <a:spcPts val="300"/>
-              </a:spcBef>
-              <a:spcAft>
-                <a:spcPts val="300"/>
-              </a:spcAft>
-              <a:buClr>
-                <a:schemeClr val="accent1"/>
-              </a:buClr>
-              <a:buFont typeface="Wingdings 2" pitchFamily="18" charset="2"/>
-              <a:buNone/>
-              <a:defRPr sz="2000" kern="1200">
-                <a:solidFill>
-                  <a:schemeClr val="tx1">
-                    <a:lumMod val="85000"/>
-                    <a:lumOff val="15000"/>
-                  </a:schemeClr>
-                </a:solidFill>
-                <a:latin typeface="Times New Roman" panose="02020603050405020304" pitchFamily="18" charset="0"/>
-                <a:ea typeface="+mn-ea"/>
-                <a:cs typeface="+mn-cs"/>
-              </a:defRPr>
-            </a:lvl5pPr>
-            <a:lvl6pPr marL="2286000" indent="0" algn="ctr" defTabSz="914400" rtl="0" eaLnBrk="1" latinLnBrk="0" hangingPunct="1">
-              <a:lnSpc>
-                <a:spcPct val="90000"/>
-              </a:lnSpc>
-              <a:spcBef>
-                <a:spcPts val="300"/>
-              </a:spcBef>
-              <a:spcAft>
-                <a:spcPts val="300"/>
-              </a:spcAft>
-              <a:buClr>
-                <a:schemeClr val="accent1"/>
-              </a:buClr>
-              <a:buFont typeface="Wingdings 2" pitchFamily="18" charset="2"/>
-              <a:buNone/>
-              <a:defRPr sz="2000" kern="1200">
-                <a:solidFill>
-                  <a:schemeClr val="tx1">
-                    <a:lumMod val="85000"/>
-                    <a:lumOff val="15000"/>
-                  </a:schemeClr>
-                </a:solidFill>
-                <a:latin typeface="+mn-lt"/>
-                <a:ea typeface="+mn-ea"/>
-                <a:cs typeface="+mn-cs"/>
-              </a:defRPr>
-            </a:lvl6pPr>
-            <a:lvl7pPr marL="2743200" indent="0" algn="ctr" defTabSz="914400" rtl="0" eaLnBrk="1" latinLnBrk="0" hangingPunct="1">
-              <a:lnSpc>
-                <a:spcPct val="90000"/>
-              </a:lnSpc>
-              <a:spcBef>
-                <a:spcPts val="300"/>
-              </a:spcBef>
-              <a:spcAft>
-                <a:spcPts val="300"/>
-              </a:spcAft>
-              <a:buClr>
-                <a:schemeClr val="accent1"/>
-              </a:buClr>
-              <a:buFont typeface="Wingdings 2" pitchFamily="18" charset="2"/>
-              <a:buNone/>
-              <a:defRPr sz="2000" kern="1200">
-                <a:solidFill>
-                  <a:schemeClr val="tx1">
-                    <a:lumMod val="85000"/>
-                    <a:lumOff val="15000"/>
-                  </a:schemeClr>
-                </a:solidFill>
-                <a:latin typeface="+mn-lt"/>
-                <a:ea typeface="+mn-ea"/>
-                <a:cs typeface="+mn-cs"/>
-              </a:defRPr>
-            </a:lvl7pPr>
-            <a:lvl8pPr marL="3200400" indent="0" algn="ctr" defTabSz="914400" rtl="0" eaLnBrk="1" latinLnBrk="0" hangingPunct="1">
-              <a:lnSpc>
-                <a:spcPct val="90000"/>
-              </a:lnSpc>
-              <a:spcBef>
-                <a:spcPts val="300"/>
-              </a:spcBef>
-              <a:spcAft>
-                <a:spcPts val="300"/>
-              </a:spcAft>
-              <a:buClr>
-                <a:schemeClr val="accent1"/>
-              </a:buClr>
-              <a:buFont typeface="Wingdings 2" pitchFamily="18" charset="2"/>
-              <a:buNone/>
-              <a:defRPr sz="2000" kern="1200">
-                <a:solidFill>
-                  <a:schemeClr val="tx1">
-                    <a:lumMod val="85000"/>
-                    <a:lumOff val="15000"/>
-                  </a:schemeClr>
-                </a:solidFill>
-                <a:latin typeface="+mn-lt"/>
-                <a:ea typeface="+mn-ea"/>
-                <a:cs typeface="+mn-cs"/>
-              </a:defRPr>
-            </a:lvl8pPr>
-            <a:lvl9pPr marL="3657600" indent="0" algn="ctr" defTabSz="914400" rtl="0" eaLnBrk="1" latinLnBrk="0" hangingPunct="1">
-              <a:lnSpc>
-                <a:spcPct val="90000"/>
-              </a:lnSpc>
-              <a:spcBef>
-                <a:spcPts val="300"/>
-              </a:spcBef>
-              <a:spcAft>
-                <a:spcPts val="300"/>
-              </a:spcAft>
-              <a:buClr>
-                <a:schemeClr val="accent1"/>
-              </a:buClr>
-              <a:buFont typeface="Wingdings 2" pitchFamily="18" charset="2"/>
-              <a:buNone/>
-              <a:defRPr sz="2000" kern="1200">
-                <a:solidFill>
-                  <a:schemeClr val="tx1">
-                    <a:lumMod val="85000"/>
-                    <a:lumOff val="15000"/>
-                  </a:schemeClr>
-                </a:solidFill>
-                <a:latin typeface="+mn-lt"/>
-                <a:ea typeface="+mn-ea"/>
-                <a:cs typeface="+mn-cs"/>
-              </a:defRPr>
-            </a:lvl9pPr>
-          </a:lstStyle>
-          <a:p>
-            <a:endParaRPr lang="en-US" sz="2400" dirty="0"/>
-          </a:p>
-        </p:txBody>
-      </p:sp>
-    </p:spTree>
-    <p:extLst>
-      <p:ext uri="{BB962C8B-B14F-4D97-AF65-F5344CB8AC3E}">
-        <p14:creationId xmlns:p14="http://schemas.microsoft.com/office/powerpoint/2010/main" val="341033681"/>
-      </p:ext>
-    </p:extLst>
-  </p:cSld>
-  <p:clrMapOvr>
-    <a:masterClrMapping/>
-  </p:clrMapOvr>
-</p:sld>
-</file>
-
-<file path=ppt/slides/slide27.xml><?xml version="1.0" encoding="utf-8"?>
-<p:sld xmlns:a="http://schemas.openxmlformats.org/drawingml/2006/main" xmlns:r="http://schemas.openxmlformats.org/officeDocument/2006/relationships" xmlns:p="http://schemas.openxmlformats.org/presentationml/2006/main">
-  <p:cSld>
-    <p:spTree>
-      <p:nvGrpSpPr>
-        <p:cNvPr id="1" name=""/>
-        <p:cNvGrpSpPr/>
-        <p:nvPr/>
-      </p:nvGrpSpPr>
-      <p:grpSpPr>
-        <a:xfrm>
-          <a:off x="0" y="0"/>
-          <a:ext cx="0" cy="0"/>
-          <a:chOff x="0" y="0"/>
-          <a:chExt cx="0" cy="0"/>
-        </a:xfrm>
-      </p:grpSpPr>
-      <p:sp>
-        <p:nvSpPr>
-          <p:cNvPr id="4" name="Title 3">
-            <a:extLst>
-              <a:ext uri="{FF2B5EF4-FFF2-40B4-BE49-F238E27FC236}">
-                <a16:creationId xmlns:a16="http://schemas.microsoft.com/office/drawing/2014/main" id="{3959A64B-5C9A-4A9B-BA45-ADECED2E51D9}"/>
-              </a:ext>
-            </a:extLst>
-          </p:cNvPr>
-          <p:cNvSpPr>
-            <a:spLocks noGrp="1"/>
-          </p:cNvSpPr>
-          <p:nvPr>
-            <p:ph type="ctrTitle"/>
-          </p:nvPr>
-        </p:nvSpPr>
-        <p:spPr>
-          <a:xfrm>
             <a:off x="1261872" y="758952"/>
             <a:ext cx="10625328" cy="4041648"/>
           </a:xfrm>
@@ -14490,7 +14063,7 @@
 </p:sld>
 </file>
 
-<file path=ppt/slides/slide28.xml><?xml version="1.0" encoding="utf-8"?>
+<file path=ppt/slides/slide27.xml><?xml version="1.0" encoding="utf-8"?>
 <p:sld xmlns:a="http://schemas.openxmlformats.org/drawingml/2006/main" xmlns:r="http://schemas.openxmlformats.org/officeDocument/2006/relationships" xmlns:p="http://schemas.openxmlformats.org/presentationml/2006/main">
   <p:cSld>
     <p:spTree>

--- a/Lecture08_HealthEquity/L8Slides_HealthEquity_2023W.pptx
+++ b/Lecture08_HealthEquity/L8Slides_HealthEquity_2023W.pptx
@@ -243,7 +243,7 @@
           <a:p>
             <a:fld id="{EF911157-0FC2-4F06-8D61-FD647FE4E19D}" type="datetimeFigureOut">
               <a:rPr lang="en-US" smtClean="0"/>
-              <a:t>3/6/2023</a:t>
+              <a:t>2/19/2024</a:t>
             </a:fld>
             <a:endParaRPr lang="en-US"/>
           </a:p>
@@ -559,15 +559,54 @@
           <a:bodyPr/>
           <a:lstStyle/>
           <a:p>
-            <a:pPr marL="0" indent="0">
+            <a:pPr marL="0" marR="0" lvl="0" indent="0" algn="l" defTabSz="914400" rtl="0" eaLnBrk="1" fontAlgn="auto" latinLnBrk="0" hangingPunct="1">
+              <a:lnSpc>
+                <a:spcPct val="100000"/>
+              </a:lnSpc>
+              <a:spcBef>
+                <a:spcPts val="0"/>
+              </a:spcBef>
+              <a:spcAft>
+                <a:spcPts val="0"/>
+              </a:spcAft>
+              <a:buClrTx/>
+              <a:buSzTx/>
               <a:buFont typeface="Arial" panose="020B0604020202020204" pitchFamily="34" charset="0"/>
               <a:buNone/>
+              <a:tabLst/>
+              <a:defRPr/>
             </a:pPr>
             <a:r>
-              <a:rPr lang="en-US"/>
-              <a:t>Empirical paper to add: https://www.nber.org/papers/w30767</a:t>
-            </a:r>
-            <a:endParaRPr lang="en-US" dirty="0"/>
+              <a:rPr lang="en-US" dirty="0"/>
+              <a:t>Empirical paper to add: https://www.nber.org/papers/w30767. Theoretical paper to add: https://www.sciencedirect.com/science/article/pii/S0167629622001291. “</a:t>
+            </a:r>
+            <a:r>
+              <a:rPr lang="en-US" b="0" i="0" dirty="0">
+                <a:solidFill>
+                  <a:srgbClr val="1F1F1F"/>
+                </a:solidFill>
+                <a:effectLst/>
+                <a:latin typeface="ElsevierGulliver"/>
+              </a:rPr>
+              <a:t>Contracts for primary and secondary care physicians and </a:t>
+            </a:r>
+            <a:r>
+              <a:rPr lang="en-US" b="0" i="0">
+                <a:solidFill>
+                  <a:srgbClr val="1F1F1F"/>
+                </a:solidFill>
+                <a:effectLst/>
+                <a:latin typeface="ElsevierGulliver"/>
+              </a:rPr>
+              <a:t>equity-efficiency trade-offs”</a:t>
+            </a:r>
+            <a:endParaRPr lang="en-US" b="0" i="0" dirty="0">
+              <a:solidFill>
+                <a:srgbClr val="1F1F1F"/>
+              </a:solidFill>
+              <a:effectLst/>
+              <a:latin typeface="ElsevierGulliver"/>
+            </a:endParaRPr>
           </a:p>
         </p:txBody>
       </p:sp>
@@ -3501,7 +3540,7 @@
             <a:fld id="{0972D05C-DCFB-4BB6-B49C-AC126BF3ED2C}" type="datetimeFigureOut">
               <a:rPr lang="en-US" smtClean="0"/>
               <a:pPr/>
-              <a:t>3/6/2023</a:t>
+              <a:t>2/19/2024</a:t>
             </a:fld>
             <a:endParaRPr lang="en-US"/>
           </a:p>
@@ -3731,7 +3770,7 @@
             <a:fld id="{0972D05C-DCFB-4BB6-B49C-AC126BF3ED2C}" type="datetimeFigureOut">
               <a:rPr lang="en-US" smtClean="0"/>
               <a:pPr/>
-              <a:t>3/6/2023</a:t>
+              <a:t>2/19/2024</a:t>
             </a:fld>
             <a:endParaRPr lang="en-US"/>
           </a:p>
@@ -3913,7 +3952,7 @@
             <a:fld id="{0972D05C-DCFB-4BB6-B49C-AC126BF3ED2C}" type="datetimeFigureOut">
               <a:rPr lang="en-US" smtClean="0"/>
               <a:pPr/>
-              <a:t>3/6/2023</a:t>
+              <a:t>2/19/2024</a:t>
             </a:fld>
             <a:endParaRPr lang="en-US"/>
           </a:p>
@@ -4155,7 +4194,7 @@
             <a:fld id="{1D8BD707-D9CF-40AE-B4C6-C98DA3205C09}" type="datetimeFigureOut">
               <a:rPr lang="en-US" smtClean="0"/>
               <a:pPr/>
-              <a:t>3/6/2023</a:t>
+              <a:t>2/19/2024</a:t>
             </a:fld>
             <a:endParaRPr lang="en-US"/>
           </a:p>
@@ -4325,7 +4364,7 @@
             <a:fld id="{1D8BD707-D9CF-40AE-B4C6-C98DA3205C09}" type="datetimeFigureOut">
               <a:rPr lang="en-US" smtClean="0"/>
               <a:pPr/>
-              <a:t>3/6/2023</a:t>
+              <a:t>2/19/2024</a:t>
             </a:fld>
             <a:endParaRPr lang="en-US"/>
           </a:p>
@@ -4572,7 +4611,7 @@
             <a:fld id="{1D8BD707-D9CF-40AE-B4C6-C98DA3205C09}" type="datetimeFigureOut">
               <a:rPr lang="en-US" smtClean="0"/>
               <a:pPr/>
-              <a:t>3/6/2023</a:t>
+              <a:t>2/19/2024</a:t>
             </a:fld>
             <a:endParaRPr lang="en-US"/>
           </a:p>
@@ -4859,7 +4898,7 @@
             <a:fld id="{1D8BD707-D9CF-40AE-B4C6-C98DA3205C09}" type="datetimeFigureOut">
               <a:rPr lang="en-US" smtClean="0"/>
               <a:pPr/>
-              <a:t>3/6/2023</a:t>
+              <a:t>2/19/2024</a:t>
             </a:fld>
             <a:endParaRPr lang="en-US"/>
           </a:p>
@@ -5280,7 +5319,7 @@
             <a:fld id="{1D8BD707-D9CF-40AE-B4C6-C98DA3205C09}" type="datetimeFigureOut">
               <a:rPr lang="en-US" smtClean="0"/>
               <a:pPr/>
-              <a:t>3/6/2023</a:t>
+              <a:t>2/19/2024</a:t>
             </a:fld>
             <a:endParaRPr lang="en-US"/>
           </a:p>
@@ -5399,7 +5438,7 @@
             <a:fld id="{1D8BD707-D9CF-40AE-B4C6-C98DA3205C09}" type="datetimeFigureOut">
               <a:rPr lang="en-US" smtClean="0"/>
               <a:pPr/>
-              <a:t>3/6/2023</a:t>
+              <a:t>2/19/2024</a:t>
             </a:fld>
             <a:endParaRPr lang="en-US"/>
           </a:p>
@@ -5496,7 +5535,7 @@
             <a:fld id="{1D8BD707-D9CF-40AE-B4C6-C98DA3205C09}" type="datetimeFigureOut">
               <a:rPr lang="en-US" smtClean="0"/>
               <a:pPr/>
-              <a:t>3/6/2023</a:t>
+              <a:t>2/19/2024</a:t>
             </a:fld>
             <a:endParaRPr lang="en-US"/>
           </a:p>
@@ -5773,7 +5812,7 @@
             <a:fld id="{1D8BD707-D9CF-40AE-B4C6-C98DA3205C09}" type="datetimeFigureOut">
               <a:rPr lang="en-US" smtClean="0"/>
               <a:pPr/>
-              <a:t>3/6/2023</a:t>
+              <a:t>2/19/2024</a:t>
             </a:fld>
             <a:endParaRPr lang="en-US"/>
           </a:p>
@@ -5945,7 +5984,7 @@
             <a:fld id="{0972D05C-DCFB-4BB6-B49C-AC126BF3ED2C}" type="datetimeFigureOut">
               <a:rPr lang="en-US" smtClean="0"/>
               <a:pPr/>
-              <a:t>3/6/2023</a:t>
+              <a:t>2/19/2024</a:t>
             </a:fld>
             <a:endParaRPr lang="en-US"/>
           </a:p>
@@ -6199,7 +6238,7 @@
             <a:fld id="{1D8BD707-D9CF-40AE-B4C6-C98DA3205C09}" type="datetimeFigureOut">
               <a:rPr lang="en-US" smtClean="0"/>
               <a:pPr/>
-              <a:t>3/6/2023</a:t>
+              <a:t>2/19/2024</a:t>
             </a:fld>
             <a:endParaRPr lang="en-US"/>
           </a:p>
@@ -6369,7 +6408,7 @@
             <a:fld id="{1D8BD707-D9CF-40AE-B4C6-C98DA3205C09}" type="datetimeFigureOut">
               <a:rPr lang="en-US" smtClean="0"/>
               <a:pPr/>
-              <a:t>3/6/2023</a:t>
+              <a:t>2/19/2024</a:t>
             </a:fld>
             <a:endParaRPr lang="en-US"/>
           </a:p>
@@ -6549,7 +6588,7 @@
             <a:fld id="{1D8BD707-D9CF-40AE-B4C6-C98DA3205C09}" type="datetimeFigureOut">
               <a:rPr lang="en-US" smtClean="0"/>
               <a:pPr/>
-              <a:t>3/6/2023</a:t>
+              <a:t>2/19/2024</a:t>
             </a:fld>
             <a:endParaRPr lang="en-US"/>
           </a:p>
@@ -6805,7 +6844,7 @@
             <a:fld id="{0972D05C-DCFB-4BB6-B49C-AC126BF3ED2C}" type="datetimeFigureOut">
               <a:rPr lang="en-US" smtClean="0"/>
               <a:pPr/>
-              <a:t>3/6/2023</a:t>
+              <a:t>2/19/2024</a:t>
             </a:fld>
             <a:endParaRPr lang="en-US"/>
           </a:p>
@@ -7133,7 +7172,7 @@
             <a:fld id="{0972D05C-DCFB-4BB6-B49C-AC126BF3ED2C}" type="datetimeFigureOut">
               <a:rPr lang="en-US" smtClean="0"/>
               <a:pPr/>
-              <a:t>3/6/2023</a:t>
+              <a:t>2/19/2024</a:t>
             </a:fld>
             <a:endParaRPr lang="en-US"/>
           </a:p>
@@ -7586,7 +7625,7 @@
             <a:fld id="{0972D05C-DCFB-4BB6-B49C-AC126BF3ED2C}" type="datetimeFigureOut">
               <a:rPr lang="en-US" smtClean="0"/>
               <a:pPr/>
-              <a:t>3/6/2023</a:t>
+              <a:t>2/19/2024</a:t>
             </a:fld>
             <a:endParaRPr lang="en-US"/>
           </a:p>
@@ -7706,7 +7745,7 @@
             <a:fld id="{0972D05C-DCFB-4BB6-B49C-AC126BF3ED2C}" type="datetimeFigureOut">
               <a:rPr lang="en-US" smtClean="0"/>
               <a:pPr/>
-              <a:t>3/6/2023</a:t>
+              <a:t>2/19/2024</a:t>
             </a:fld>
             <a:endParaRPr lang="en-US"/>
           </a:p>
@@ -7803,7 +7842,7 @@
             <a:fld id="{0972D05C-DCFB-4BB6-B49C-AC126BF3ED2C}" type="datetimeFigureOut">
               <a:rPr lang="en-US" smtClean="0"/>
               <a:pPr/>
-              <a:t>3/6/2023</a:t>
+              <a:t>2/19/2024</a:t>
             </a:fld>
             <a:endParaRPr lang="en-US"/>
           </a:p>
@@ -8092,7 +8131,7 @@
             <a:fld id="{0972D05C-DCFB-4BB6-B49C-AC126BF3ED2C}" type="datetimeFigureOut">
               <a:rPr lang="en-US" smtClean="0"/>
               <a:pPr/>
-              <a:t>3/6/2023</a:t>
+              <a:t>2/19/2024</a:t>
             </a:fld>
             <a:endParaRPr lang="en-US"/>
           </a:p>
@@ -8416,7 +8455,7 @@
             <a:fld id="{0972D05C-DCFB-4BB6-B49C-AC126BF3ED2C}" type="datetimeFigureOut">
               <a:rPr lang="en-US" smtClean="0"/>
               <a:pPr/>
-              <a:t>3/6/2023</a:t>
+              <a:t>2/19/2024</a:t>
             </a:fld>
             <a:endParaRPr lang="en-US"/>
           </a:p>
@@ -8671,7 +8710,7 @@
             <a:fld id="{0972D05C-DCFB-4BB6-B49C-AC126BF3ED2C}" type="datetimeFigureOut">
               <a:rPr lang="en-US" smtClean="0"/>
               <a:pPr/>
-              <a:t>3/6/2023</a:t>
+              <a:t>2/19/2024</a:t>
             </a:fld>
             <a:endParaRPr lang="en-US" dirty="0"/>
           </a:p>
@@ -9296,7 +9335,7 @@
             <a:fld id="{1D8BD707-D9CF-40AE-B4C6-C98DA3205C09}" type="datetimeFigureOut">
               <a:rPr lang="en-US" smtClean="0"/>
               <a:pPr/>
-              <a:t>3/6/2023</a:t>
+              <a:t>2/19/2024</a:t>
             </a:fld>
             <a:endParaRPr lang="en-US"/>
           </a:p>
@@ -14317,6 +14356,13 @@
             <a:tailEnd type="none" w="sm" len="sm"/>
           </a:ln>
         </p:spPr>
+        <p:txBody>
+          <a:bodyPr/>
+          <a:lstStyle/>
+          <a:p>
+            <a:endParaRPr lang="en-US"/>
+          </a:p>
+        </p:txBody>
       </p:sp>
       <p:sp>
         <p:nvSpPr>
@@ -14379,6 +14425,13 @@
             <a:tailEnd type="none" w="sm" len="sm"/>
           </a:ln>
         </p:spPr>
+        <p:txBody>
+          <a:bodyPr/>
+          <a:lstStyle/>
+          <a:p>
+            <a:endParaRPr lang="en-US"/>
+          </a:p>
+        </p:txBody>
       </p:sp>
       <p:sp>
         <p:nvSpPr>
@@ -14403,6 +14456,13 @@
             <a:tailEnd type="none" w="sm" len="sm"/>
           </a:ln>
         </p:spPr>
+        <p:txBody>
+          <a:bodyPr/>
+          <a:lstStyle/>
+          <a:p>
+            <a:endParaRPr lang="en-US"/>
+          </a:p>
+        </p:txBody>
       </p:sp>
       <p:sp>
         <p:nvSpPr>
@@ -14427,6 +14487,13 @@
             <a:tailEnd type="none" w="sm" len="sm"/>
           </a:ln>
         </p:spPr>
+        <p:txBody>
+          <a:bodyPr/>
+          <a:lstStyle/>
+          <a:p>
+            <a:endParaRPr lang="en-US"/>
+          </a:p>
+        </p:txBody>
       </p:sp>
       <p:grpSp>
         <p:nvGrpSpPr>
@@ -14492,6 +14559,13 @@
               <a:srgbClr val="3590FA"/>
             </a:solidFill>
           </p:spPr>
+          <p:txBody>
+            <a:bodyPr/>
+            <a:lstStyle/>
+            <a:p>
+              <a:endParaRPr lang="en-US"/>
+            </a:p>
+          </p:txBody>
         </p:sp>
         <p:sp>
           <p:nvSpPr>
@@ -14628,6 +14702,13 @@
               <a:srgbClr val="3590FA"/>
             </a:solidFill>
           </p:spPr>
+          <p:txBody>
+            <a:bodyPr/>
+            <a:lstStyle/>
+            <a:p>
+              <a:endParaRPr lang="en-US"/>
+            </a:p>
+          </p:txBody>
         </p:sp>
         <p:sp>
           <p:nvSpPr>
@@ -14689,6 +14770,13 @@
             <a:tailEnd type="none" w="sm" len="sm"/>
           </a:ln>
         </p:spPr>
+        <p:txBody>
+          <a:bodyPr/>
+          <a:lstStyle/>
+          <a:p>
+            <a:endParaRPr lang="en-US"/>
+          </a:p>
+        </p:txBody>
       </p:sp>
       <p:sp>
         <p:nvSpPr>
@@ -14713,6 +14801,13 @@
             <a:tailEnd type="none" w="sm" len="sm"/>
           </a:ln>
         </p:spPr>
+        <p:txBody>
+          <a:bodyPr/>
+          <a:lstStyle/>
+          <a:p>
+            <a:endParaRPr lang="en-US"/>
+          </a:p>
+        </p:txBody>
       </p:sp>
       <p:grpSp>
         <p:nvGrpSpPr>
@@ -14778,6 +14873,13 @@
               <a:srgbClr val="3590FA"/>
             </a:solidFill>
           </p:spPr>
+          <p:txBody>
+            <a:bodyPr/>
+            <a:lstStyle/>
+            <a:p>
+              <a:endParaRPr lang="en-US"/>
+            </a:p>
+          </p:txBody>
         </p:sp>
         <p:sp>
           <p:nvSpPr>
@@ -14914,6 +15016,13 @@
               <a:srgbClr val="3590FA"/>
             </a:solidFill>
           </p:spPr>
+          <p:txBody>
+            <a:bodyPr/>
+            <a:lstStyle/>
+            <a:p>
+              <a:endParaRPr lang="en-US"/>
+            </a:p>
+          </p:txBody>
         </p:sp>
         <p:sp>
           <p:nvSpPr>
@@ -15016,6 +15125,13 @@
               <a:srgbClr val="3590FA"/>
             </a:solidFill>
           </p:spPr>
+          <p:txBody>
+            <a:bodyPr/>
+            <a:lstStyle/>
+            <a:p>
+              <a:endParaRPr lang="en-US"/>
+            </a:p>
+          </p:txBody>
         </p:sp>
         <p:sp>
           <p:nvSpPr>
@@ -15152,6 +15268,13 @@
               <a:srgbClr val="3590FA"/>
             </a:solidFill>
           </p:spPr>
+          <p:txBody>
+            <a:bodyPr/>
+            <a:lstStyle/>
+            <a:p>
+              <a:endParaRPr lang="en-US"/>
+            </a:p>
+          </p:txBody>
         </p:sp>
         <p:sp>
           <p:nvSpPr>

--- a/Lecture08_HealthEquity/L8Slides_HealthEquity_2023W.pptx
+++ b/Lecture08_HealthEquity/L8Slides_HealthEquity_2023W.pptx
@@ -6,11 +6,11 @@
     <p:sldMasterId id="2147483750" r:id="rId2"/>
   </p:sldMasterIdLst>
   <p:notesMasterIdLst>
-    <p:notesMasterId r:id="rId38"/>
+    <p:notesMasterId r:id="rId40"/>
   </p:notesMasterIdLst>
   <p:sldIdLst>
     <p:sldId id="256" r:id="rId3"/>
-    <p:sldId id="509" r:id="rId4"/>
+    <p:sldId id="512" r:id="rId4"/>
     <p:sldId id="357" r:id="rId5"/>
     <p:sldId id="476" r:id="rId6"/>
     <p:sldId id="480" r:id="rId7"/>
@@ -40,10 +40,12 @@
     <p:sldId id="508" r:id="rId31"/>
     <p:sldId id="501" r:id="rId32"/>
     <p:sldId id="500" r:id="rId33"/>
-    <p:sldId id="484" r:id="rId34"/>
-    <p:sldId id="510" r:id="rId35"/>
-    <p:sldId id="511" r:id="rId36"/>
-    <p:sldId id="414" r:id="rId37"/>
+    <p:sldId id="513" r:id="rId34"/>
+    <p:sldId id="514" r:id="rId35"/>
+    <p:sldId id="484" r:id="rId36"/>
+    <p:sldId id="510" r:id="rId37"/>
+    <p:sldId id="511" r:id="rId38"/>
+    <p:sldId id="414" r:id="rId39"/>
   </p:sldIdLst>
   <p:sldSz cx="12192000" cy="6858000"/>
   <p:notesSz cx="7010400" cy="9296400"/>
@@ -243,7 +245,7 @@
           <a:p>
             <a:fld id="{EF911157-0FC2-4F06-8D61-FD647FE4E19D}" type="datetimeFigureOut">
               <a:rPr lang="en-US" smtClean="0"/>
-              <a:t>2/19/2024</a:t>
+              <a:t>3/13/2024</a:t>
             </a:fld>
             <a:endParaRPr lang="en-US"/>
           </a:p>
@@ -588,25 +590,8 @@
                 <a:effectLst/>
                 <a:latin typeface="ElsevierGulliver"/>
               </a:rPr>
-              <a:t>Contracts for primary and secondary care physicians and </a:t>
-            </a:r>
-            <a:r>
-              <a:rPr lang="en-US" b="0" i="0">
-                <a:solidFill>
-                  <a:srgbClr val="1F1F1F"/>
-                </a:solidFill>
-                <a:effectLst/>
-                <a:latin typeface="ElsevierGulliver"/>
-              </a:rPr>
-              <a:t>equity-efficiency trade-offs”</a:t>
-            </a:r>
-            <a:endParaRPr lang="en-US" b="0" i="0" dirty="0">
-              <a:solidFill>
-                <a:srgbClr val="1F1F1F"/>
-              </a:solidFill>
-              <a:effectLst/>
-              <a:latin typeface="ElsevierGulliver"/>
-            </a:endParaRPr>
+              <a:t>Contracts for primary and secondary care physicians and equity-efficiency trade-offs”</a:t>
+            </a:r>
           </a:p>
         </p:txBody>
       </p:sp>
@@ -1604,7 +1589,7 @@
           <a:p>
             <a:r>
               <a:rPr lang="en-US" dirty="0"/>
-              <a:t>Quick note! Submission link: https://docs.google.com/forms/d/e/1FAIpQLSehZcG1J92n-ea6y_UKoN3kdNNw5vIKsB6DEfyztKWaCcpsFQ/viewform</a:t>
+              <a:t>Quick note! </a:t>
             </a:r>
           </a:p>
         </p:txBody>
@@ -1635,7 +1620,7 @@
     </p:spTree>
     <p:extLst>
       <p:ext uri="{BB962C8B-B14F-4D97-AF65-F5344CB8AC3E}">
-        <p14:creationId xmlns:p14="http://schemas.microsoft.com/office/powerpoint/2010/main" val="3678263777"/>
+        <p14:creationId xmlns:p14="http://schemas.microsoft.com/office/powerpoint/2010/main" val="483034343"/>
       </p:ext>
     </p:extLst>
   </p:cSld>
@@ -2286,26 +2271,7 @@
           <a:bodyPr/>
           <a:lstStyle/>
           <a:p>
-            <a:r>
-              <a:rPr lang="en-CA" dirty="0"/>
-              <a:t>Meant to give an idea of how to take a model off the shelf and </a:t>
-            </a:r>
-            <a:r>
-              <a:rPr lang="en-CA"/>
-              <a:t>apply it. Cover </a:t>
-            </a:r>
-            <a:r>
-              <a:rPr lang="en-CA" dirty="0"/>
-              <a:t>Chandra et al as an empirical </a:t>
-            </a:r>
-            <a:r>
-              <a:rPr lang="en-CA" dirty="0" err="1"/>
-              <a:t>followup</a:t>
-            </a:r>
-            <a:r>
-              <a:rPr lang="en-CA" dirty="0"/>
-              <a:t> if there’s time. </a:t>
-            </a:r>
+            <a:endParaRPr lang="en-CA" dirty="0"/>
           </a:p>
         </p:txBody>
       </p:sp>
@@ -2335,7 +2301,7 @@
     </p:spTree>
     <p:extLst>
       <p:ext uri="{BB962C8B-B14F-4D97-AF65-F5344CB8AC3E}">
-        <p14:creationId xmlns:p14="http://schemas.microsoft.com/office/powerpoint/2010/main" val="792425891"/>
+        <p14:creationId xmlns:p14="http://schemas.microsoft.com/office/powerpoint/2010/main" val="1977783555"/>
       </p:ext>
     </p:extLst>
   </p:cSld>
@@ -2389,7 +2355,55 @@
           <a:bodyPr/>
           <a:lstStyle/>
           <a:p>
+            <a:r>
+              <a:rPr lang="en-US" dirty="0"/>
+              <a:t>Four scenarios (take them column </a:t>
+            </a:r>
+            <a:r>
+              <a:rPr lang="en-US"/>
+              <a:t>by column): </a:t>
+            </a:r>
             <a:endParaRPr lang="en-US" dirty="0"/>
+          </a:p>
+          <a:p>
+            <a:pPr marL="171450" indent="-171450">
+              <a:buFont typeface="Arial" panose="020B0604020202020204" pitchFamily="34" charset="0"/>
+              <a:buChar char="•"/>
+            </a:pPr>
+            <a:r>
+              <a:rPr lang="en-US" dirty="0"/>
+              <a:t>The GP refers only high-severity patients and treats low-severity patients, and the specialist treats high-severity patients and refers low-severity patients back to the GP (scenario 1); </a:t>
+            </a:r>
+          </a:p>
+          <a:p>
+            <a:pPr marL="171450" indent="-171450">
+              <a:buFont typeface="Arial" panose="020B0604020202020204" pitchFamily="34" charset="0"/>
+              <a:buChar char="•"/>
+            </a:pPr>
+            <a:r>
+              <a:rPr lang="en-US" dirty="0"/>
+              <a:t>The GP refers both high- and low-severity patients, and the specialist treats high-severity patients and refers low-severity patients back to the GP (scenario 2)</a:t>
+            </a:r>
+          </a:p>
+          <a:p>
+            <a:pPr marL="171450" indent="-171450">
+              <a:buFont typeface="Arial" panose="020B0604020202020204" pitchFamily="34" charset="0"/>
+              <a:buChar char="•"/>
+            </a:pPr>
+            <a:r>
+              <a:rPr lang="en-US" dirty="0"/>
+              <a:t>The GP refers only high-severity patients and treats low-severity patients, and the specialist treats patients with high- and low-severity (scenario 3)</a:t>
+            </a:r>
+          </a:p>
+          <a:p>
+            <a:pPr marL="171450" indent="-171450">
+              <a:buFont typeface="Arial" panose="020B0604020202020204" pitchFamily="34" charset="0"/>
+              <a:buChar char="•"/>
+            </a:pPr>
+            <a:r>
+              <a:rPr lang="en-US" dirty="0"/>
+              <a:t>The GP refers both high- and low-severity patients, and the specialist treats patients with high- and low-severity (scenario 4).</a:t>
+            </a:r>
           </a:p>
         </p:txBody>
       </p:sp>
@@ -2419,7 +2433,7 @@
     </p:spTree>
     <p:extLst>
       <p:ext uri="{BB962C8B-B14F-4D97-AF65-F5344CB8AC3E}">
-        <p14:creationId xmlns:p14="http://schemas.microsoft.com/office/powerpoint/2010/main" val="3809569117"/>
+        <p14:creationId xmlns:p14="http://schemas.microsoft.com/office/powerpoint/2010/main" val="548107487"/>
       </p:ext>
     </p:extLst>
   </p:cSld>
@@ -2474,10 +2488,25 @@
           <a:lstStyle/>
           <a:p>
             <a:r>
-              <a:rPr lang="en-US"/>
-              <a:t>https://alex-hoagland.github.io/files/Hoagland_InnovationsInequities_TAVR.pdf</a:t>
-            </a:r>
-            <a:endParaRPr lang="en-US" dirty="0"/>
+              <a:rPr lang="en-CA" dirty="0"/>
+              <a:t>Meant to give an idea of how to take a model off the shelf and </a:t>
+            </a:r>
+            <a:r>
+              <a:rPr lang="en-CA"/>
+              <a:t>apply it. Cover </a:t>
+            </a:r>
+            <a:r>
+              <a:rPr lang="en-CA" dirty="0"/>
+              <a:t>Chandra et al as an empirical </a:t>
+            </a:r>
+            <a:r>
+              <a:rPr lang="en-CA" dirty="0" err="1"/>
+              <a:t>followup</a:t>
+            </a:r>
+            <a:r>
+              <a:rPr lang="en-CA" dirty="0"/>
+              <a:t> if there’s time. </a:t>
+            </a:r>
           </a:p>
         </p:txBody>
       </p:sp>
@@ -2507,7 +2536,7 @@
     </p:spTree>
     <p:extLst>
       <p:ext uri="{BB962C8B-B14F-4D97-AF65-F5344CB8AC3E}">
-        <p14:creationId xmlns:p14="http://schemas.microsoft.com/office/powerpoint/2010/main" val="2466763091"/>
+        <p14:creationId xmlns:p14="http://schemas.microsoft.com/office/powerpoint/2010/main" val="792425891"/>
       </p:ext>
     </p:extLst>
   </p:cSld>
@@ -2751,7 +2780,7 @@
           <a:bodyPr/>
           <a:lstStyle/>
           <a:p>
-            <a:endParaRPr lang="en-CA" dirty="0"/>
+            <a:endParaRPr lang="en-US" dirty="0"/>
           </a:p>
         </p:txBody>
       </p:sp>
@@ -2773,6 +2802,178 @@
             <a:fld id="{4AF79E1B-2C51-4B9B-8EA4-26DE9E345AFF}" type="slidenum">
               <a:rPr lang="en-US" smtClean="0"/>
               <a:t>35</a:t>
+            </a:fld>
+            <a:endParaRPr lang="en-US"/>
+          </a:p>
+        </p:txBody>
+      </p:sp>
+    </p:spTree>
+    <p:extLst>
+      <p:ext uri="{BB962C8B-B14F-4D97-AF65-F5344CB8AC3E}">
+        <p14:creationId xmlns:p14="http://schemas.microsoft.com/office/powerpoint/2010/main" val="3809569117"/>
+      </p:ext>
+    </p:extLst>
+  </p:cSld>
+  <p:clrMapOvr>
+    <a:masterClrMapping/>
+  </p:clrMapOvr>
+</p:notes>
+</file>
+
+<file path=ppt/notesSlides/notesSlide31.xml><?xml version="1.0" encoding="utf-8"?>
+<p:notes xmlns:a="http://schemas.openxmlformats.org/drawingml/2006/main" xmlns:r="http://schemas.openxmlformats.org/officeDocument/2006/relationships" xmlns:p="http://schemas.openxmlformats.org/presentationml/2006/main">
+  <p:cSld>
+    <p:spTree>
+      <p:nvGrpSpPr>
+        <p:cNvPr id="1" name=""/>
+        <p:cNvGrpSpPr/>
+        <p:nvPr/>
+      </p:nvGrpSpPr>
+      <p:grpSpPr>
+        <a:xfrm>
+          <a:off x="0" y="0"/>
+          <a:ext cx="0" cy="0"/>
+          <a:chOff x="0" y="0"/>
+          <a:chExt cx="0" cy="0"/>
+        </a:xfrm>
+      </p:grpSpPr>
+      <p:sp>
+        <p:nvSpPr>
+          <p:cNvPr id="2" name="Slide Image Placeholder 1"/>
+          <p:cNvSpPr>
+            <a:spLocks noGrp="1" noRot="1" noChangeAspect="1"/>
+          </p:cNvSpPr>
+          <p:nvPr>
+            <p:ph type="sldImg"/>
+          </p:nvPr>
+        </p:nvSpPr>
+        <p:spPr/>
+      </p:sp>
+      <p:sp>
+        <p:nvSpPr>
+          <p:cNvPr id="3" name="Notes Placeholder 2"/>
+          <p:cNvSpPr>
+            <a:spLocks noGrp="1"/>
+          </p:cNvSpPr>
+          <p:nvPr>
+            <p:ph type="body" idx="1"/>
+          </p:nvPr>
+        </p:nvSpPr>
+        <p:spPr/>
+        <p:txBody>
+          <a:bodyPr/>
+          <a:lstStyle/>
+          <a:p>
+            <a:r>
+              <a:rPr lang="en-US"/>
+              <a:t>https://alex-hoagland.github.io/files/Hoagland_InnovationsInequities_TAVR.pdf</a:t>
+            </a:r>
+            <a:endParaRPr lang="en-US" dirty="0"/>
+          </a:p>
+        </p:txBody>
+      </p:sp>
+      <p:sp>
+        <p:nvSpPr>
+          <p:cNvPr id="4" name="Slide Number Placeholder 3"/>
+          <p:cNvSpPr>
+            <a:spLocks noGrp="1"/>
+          </p:cNvSpPr>
+          <p:nvPr>
+            <p:ph type="sldNum" sz="quarter" idx="5"/>
+          </p:nvPr>
+        </p:nvSpPr>
+        <p:spPr/>
+        <p:txBody>
+          <a:bodyPr/>
+          <a:lstStyle/>
+          <a:p>
+            <a:fld id="{4AF79E1B-2C51-4B9B-8EA4-26DE9E345AFF}" type="slidenum">
+              <a:rPr lang="en-US" smtClean="0"/>
+              <a:t>36</a:t>
+            </a:fld>
+            <a:endParaRPr lang="en-US"/>
+          </a:p>
+        </p:txBody>
+      </p:sp>
+    </p:spTree>
+    <p:extLst>
+      <p:ext uri="{BB962C8B-B14F-4D97-AF65-F5344CB8AC3E}">
+        <p14:creationId xmlns:p14="http://schemas.microsoft.com/office/powerpoint/2010/main" val="2466763091"/>
+      </p:ext>
+    </p:extLst>
+  </p:cSld>
+  <p:clrMapOvr>
+    <a:masterClrMapping/>
+  </p:clrMapOvr>
+</p:notes>
+</file>
+
+<file path=ppt/notesSlides/notesSlide32.xml><?xml version="1.0" encoding="utf-8"?>
+<p:notes xmlns:a="http://schemas.openxmlformats.org/drawingml/2006/main" xmlns:r="http://schemas.openxmlformats.org/officeDocument/2006/relationships" xmlns:p="http://schemas.openxmlformats.org/presentationml/2006/main">
+  <p:cSld>
+    <p:spTree>
+      <p:nvGrpSpPr>
+        <p:cNvPr id="1" name=""/>
+        <p:cNvGrpSpPr/>
+        <p:nvPr/>
+      </p:nvGrpSpPr>
+      <p:grpSpPr>
+        <a:xfrm>
+          <a:off x="0" y="0"/>
+          <a:ext cx="0" cy="0"/>
+          <a:chOff x="0" y="0"/>
+          <a:chExt cx="0" cy="0"/>
+        </a:xfrm>
+      </p:grpSpPr>
+      <p:sp>
+        <p:nvSpPr>
+          <p:cNvPr id="2" name="Slide Image Placeholder 1"/>
+          <p:cNvSpPr>
+            <a:spLocks noGrp="1" noRot="1" noChangeAspect="1"/>
+          </p:cNvSpPr>
+          <p:nvPr>
+            <p:ph type="sldImg"/>
+          </p:nvPr>
+        </p:nvSpPr>
+        <p:spPr/>
+      </p:sp>
+      <p:sp>
+        <p:nvSpPr>
+          <p:cNvPr id="3" name="Notes Placeholder 2"/>
+          <p:cNvSpPr>
+            <a:spLocks noGrp="1"/>
+          </p:cNvSpPr>
+          <p:nvPr>
+            <p:ph type="body" idx="1"/>
+          </p:nvPr>
+        </p:nvSpPr>
+        <p:spPr/>
+        <p:txBody>
+          <a:bodyPr/>
+          <a:lstStyle/>
+          <a:p>
+            <a:endParaRPr lang="en-CA" dirty="0"/>
+          </a:p>
+        </p:txBody>
+      </p:sp>
+      <p:sp>
+        <p:nvSpPr>
+          <p:cNvPr id="4" name="Slide Number Placeholder 3"/>
+          <p:cNvSpPr>
+            <a:spLocks noGrp="1"/>
+          </p:cNvSpPr>
+          <p:nvPr>
+            <p:ph type="sldNum" sz="quarter" idx="5"/>
+          </p:nvPr>
+        </p:nvSpPr>
+        <p:spPr/>
+        <p:txBody>
+          <a:bodyPr/>
+          <a:lstStyle/>
+          <a:p>
+            <a:fld id="{4AF79E1B-2C51-4B9B-8EA4-26DE9E345AFF}" type="slidenum">
+              <a:rPr lang="en-US" smtClean="0"/>
+              <a:t>37</a:t>
             </a:fld>
             <a:endParaRPr lang="en-US"/>
           </a:p>
@@ -3540,7 +3741,7 @@
             <a:fld id="{0972D05C-DCFB-4BB6-B49C-AC126BF3ED2C}" type="datetimeFigureOut">
               <a:rPr lang="en-US" smtClean="0"/>
               <a:pPr/>
-              <a:t>2/19/2024</a:t>
+              <a:t>3/13/2024</a:t>
             </a:fld>
             <a:endParaRPr lang="en-US"/>
           </a:p>
@@ -3770,7 +3971,7 @@
             <a:fld id="{0972D05C-DCFB-4BB6-B49C-AC126BF3ED2C}" type="datetimeFigureOut">
               <a:rPr lang="en-US" smtClean="0"/>
               <a:pPr/>
-              <a:t>2/19/2024</a:t>
+              <a:t>3/13/2024</a:t>
             </a:fld>
             <a:endParaRPr lang="en-US"/>
           </a:p>
@@ -3952,7 +4153,7 @@
             <a:fld id="{0972D05C-DCFB-4BB6-B49C-AC126BF3ED2C}" type="datetimeFigureOut">
               <a:rPr lang="en-US" smtClean="0"/>
               <a:pPr/>
-              <a:t>2/19/2024</a:t>
+              <a:t>3/13/2024</a:t>
             </a:fld>
             <a:endParaRPr lang="en-US"/>
           </a:p>
@@ -4194,7 +4395,7 @@
             <a:fld id="{1D8BD707-D9CF-40AE-B4C6-C98DA3205C09}" type="datetimeFigureOut">
               <a:rPr lang="en-US" smtClean="0"/>
               <a:pPr/>
-              <a:t>2/19/2024</a:t>
+              <a:t>3/13/2024</a:t>
             </a:fld>
             <a:endParaRPr lang="en-US"/>
           </a:p>
@@ -4364,7 +4565,7 @@
             <a:fld id="{1D8BD707-D9CF-40AE-B4C6-C98DA3205C09}" type="datetimeFigureOut">
               <a:rPr lang="en-US" smtClean="0"/>
               <a:pPr/>
-              <a:t>2/19/2024</a:t>
+              <a:t>3/13/2024</a:t>
             </a:fld>
             <a:endParaRPr lang="en-US"/>
           </a:p>
@@ -4611,7 +4812,7 @@
             <a:fld id="{1D8BD707-D9CF-40AE-B4C6-C98DA3205C09}" type="datetimeFigureOut">
               <a:rPr lang="en-US" smtClean="0"/>
               <a:pPr/>
-              <a:t>2/19/2024</a:t>
+              <a:t>3/13/2024</a:t>
             </a:fld>
             <a:endParaRPr lang="en-US"/>
           </a:p>
@@ -4898,7 +5099,7 @@
             <a:fld id="{1D8BD707-D9CF-40AE-B4C6-C98DA3205C09}" type="datetimeFigureOut">
               <a:rPr lang="en-US" smtClean="0"/>
               <a:pPr/>
-              <a:t>2/19/2024</a:t>
+              <a:t>3/13/2024</a:t>
             </a:fld>
             <a:endParaRPr lang="en-US"/>
           </a:p>
@@ -5319,7 +5520,7 @@
             <a:fld id="{1D8BD707-D9CF-40AE-B4C6-C98DA3205C09}" type="datetimeFigureOut">
               <a:rPr lang="en-US" smtClean="0"/>
               <a:pPr/>
-              <a:t>2/19/2024</a:t>
+              <a:t>3/13/2024</a:t>
             </a:fld>
             <a:endParaRPr lang="en-US"/>
           </a:p>
@@ -5438,7 +5639,7 @@
             <a:fld id="{1D8BD707-D9CF-40AE-B4C6-C98DA3205C09}" type="datetimeFigureOut">
               <a:rPr lang="en-US" smtClean="0"/>
               <a:pPr/>
-              <a:t>2/19/2024</a:t>
+              <a:t>3/13/2024</a:t>
             </a:fld>
             <a:endParaRPr lang="en-US"/>
           </a:p>
@@ -5535,7 +5736,7 @@
             <a:fld id="{1D8BD707-D9CF-40AE-B4C6-C98DA3205C09}" type="datetimeFigureOut">
               <a:rPr lang="en-US" smtClean="0"/>
               <a:pPr/>
-              <a:t>2/19/2024</a:t>
+              <a:t>3/13/2024</a:t>
             </a:fld>
             <a:endParaRPr lang="en-US"/>
           </a:p>
@@ -5812,7 +6013,7 @@
             <a:fld id="{1D8BD707-D9CF-40AE-B4C6-C98DA3205C09}" type="datetimeFigureOut">
               <a:rPr lang="en-US" smtClean="0"/>
               <a:pPr/>
-              <a:t>2/19/2024</a:t>
+              <a:t>3/13/2024</a:t>
             </a:fld>
             <a:endParaRPr lang="en-US"/>
           </a:p>
@@ -5984,7 +6185,7 @@
             <a:fld id="{0972D05C-DCFB-4BB6-B49C-AC126BF3ED2C}" type="datetimeFigureOut">
               <a:rPr lang="en-US" smtClean="0"/>
               <a:pPr/>
-              <a:t>2/19/2024</a:t>
+              <a:t>3/13/2024</a:t>
             </a:fld>
             <a:endParaRPr lang="en-US"/>
           </a:p>
@@ -6238,7 +6439,7 @@
             <a:fld id="{1D8BD707-D9CF-40AE-B4C6-C98DA3205C09}" type="datetimeFigureOut">
               <a:rPr lang="en-US" smtClean="0"/>
               <a:pPr/>
-              <a:t>2/19/2024</a:t>
+              <a:t>3/13/2024</a:t>
             </a:fld>
             <a:endParaRPr lang="en-US"/>
           </a:p>
@@ -6408,7 +6609,7 @@
             <a:fld id="{1D8BD707-D9CF-40AE-B4C6-C98DA3205C09}" type="datetimeFigureOut">
               <a:rPr lang="en-US" smtClean="0"/>
               <a:pPr/>
-              <a:t>2/19/2024</a:t>
+              <a:t>3/13/2024</a:t>
             </a:fld>
             <a:endParaRPr lang="en-US"/>
           </a:p>
@@ -6588,7 +6789,7 @@
             <a:fld id="{1D8BD707-D9CF-40AE-B4C6-C98DA3205C09}" type="datetimeFigureOut">
               <a:rPr lang="en-US" smtClean="0"/>
               <a:pPr/>
-              <a:t>2/19/2024</a:t>
+              <a:t>3/13/2024</a:t>
             </a:fld>
             <a:endParaRPr lang="en-US"/>
           </a:p>
@@ -6844,7 +7045,7 @@
             <a:fld id="{0972D05C-DCFB-4BB6-B49C-AC126BF3ED2C}" type="datetimeFigureOut">
               <a:rPr lang="en-US" smtClean="0"/>
               <a:pPr/>
-              <a:t>2/19/2024</a:t>
+              <a:t>3/13/2024</a:t>
             </a:fld>
             <a:endParaRPr lang="en-US"/>
           </a:p>
@@ -7172,7 +7373,7 @@
             <a:fld id="{0972D05C-DCFB-4BB6-B49C-AC126BF3ED2C}" type="datetimeFigureOut">
               <a:rPr lang="en-US" smtClean="0"/>
               <a:pPr/>
-              <a:t>2/19/2024</a:t>
+              <a:t>3/13/2024</a:t>
             </a:fld>
             <a:endParaRPr lang="en-US"/>
           </a:p>
@@ -7625,7 +7826,7 @@
             <a:fld id="{0972D05C-DCFB-4BB6-B49C-AC126BF3ED2C}" type="datetimeFigureOut">
               <a:rPr lang="en-US" smtClean="0"/>
               <a:pPr/>
-              <a:t>2/19/2024</a:t>
+              <a:t>3/13/2024</a:t>
             </a:fld>
             <a:endParaRPr lang="en-US"/>
           </a:p>
@@ -7745,7 +7946,7 @@
             <a:fld id="{0972D05C-DCFB-4BB6-B49C-AC126BF3ED2C}" type="datetimeFigureOut">
               <a:rPr lang="en-US" smtClean="0"/>
               <a:pPr/>
-              <a:t>2/19/2024</a:t>
+              <a:t>3/13/2024</a:t>
             </a:fld>
             <a:endParaRPr lang="en-US"/>
           </a:p>
@@ -7842,7 +8043,7 @@
             <a:fld id="{0972D05C-DCFB-4BB6-B49C-AC126BF3ED2C}" type="datetimeFigureOut">
               <a:rPr lang="en-US" smtClean="0"/>
               <a:pPr/>
-              <a:t>2/19/2024</a:t>
+              <a:t>3/13/2024</a:t>
             </a:fld>
             <a:endParaRPr lang="en-US"/>
           </a:p>
@@ -8131,7 +8332,7 @@
             <a:fld id="{0972D05C-DCFB-4BB6-B49C-AC126BF3ED2C}" type="datetimeFigureOut">
               <a:rPr lang="en-US" smtClean="0"/>
               <a:pPr/>
-              <a:t>2/19/2024</a:t>
+              <a:t>3/13/2024</a:t>
             </a:fld>
             <a:endParaRPr lang="en-US"/>
           </a:p>
@@ -8455,7 +8656,7 @@
             <a:fld id="{0972D05C-DCFB-4BB6-B49C-AC126BF3ED2C}" type="datetimeFigureOut">
               <a:rPr lang="en-US" smtClean="0"/>
               <a:pPr/>
-              <a:t>2/19/2024</a:t>
+              <a:t>3/13/2024</a:t>
             </a:fld>
             <a:endParaRPr lang="en-US"/>
           </a:p>
@@ -8710,7 +8911,7 @@
             <a:fld id="{0972D05C-DCFB-4BB6-B49C-AC126BF3ED2C}" type="datetimeFigureOut">
               <a:rPr lang="en-US" smtClean="0"/>
               <a:pPr/>
-              <a:t>2/19/2024</a:t>
+              <a:t>3/13/2024</a:t>
             </a:fld>
             <a:endParaRPr lang="en-US" dirty="0"/>
           </a:p>
@@ -9335,7 +9536,7 @@
             <a:fld id="{1D8BD707-D9CF-40AE-B4C6-C98DA3205C09}" type="datetimeFigureOut">
               <a:rPr lang="en-US" smtClean="0"/>
               <a:pPr/>
-              <a:t>2/19/2024</a:t>
+              <a:t>3/13/2024</a:t>
             </a:fld>
             <a:endParaRPr lang="en-US"/>
           </a:p>
@@ -13735,8 +13936,8 @@
           </a:p>
         </p:txBody>
       </p:sp>
-      <mc:AlternateContent xmlns:mc="http://schemas.openxmlformats.org/markup-compatibility/2006" xmlns:a14="http://schemas.microsoft.com/office/drawing/2010/main">
-        <mc:Choice Requires="a14">
+      <mc:AlternateContent xmlns:mc="http://schemas.openxmlformats.org/markup-compatibility/2006">
+        <mc:Choice xmlns:a14="http://schemas.microsoft.com/office/drawing/2010/main" Requires="a14">
           <p:sp>
             <p:nvSpPr>
               <p:cNvPr id="3" name="Content Placeholder 2"/>
@@ -13896,7 +14097,7 @@
                   <a:rPr lang="en-US" sz="2400" dirty="0">
                     <a:cs typeface="Times New Roman" panose="02020603050405020304" pitchFamily="18" charset="0"/>
                   </a:rPr>
-                  <a:t>However, doctor observes signal </a:t>
+                  <a:t>However, doctor observes a signal </a:t>
                 </a:r>
                 <a14:m>
                   <m:oMath xmlns:m="http://schemas.openxmlformats.org/officeDocument/2006/math">
@@ -14071,7 +14272,7 @@
             </p:txBody>
           </p:sp>
         </mc:Choice>
-        <mc:Fallback xmlns="">
+        <mc:Fallback>
           <p:sp>
             <p:nvSpPr>
               <p:cNvPr id="3" name="Content Placeholder 2"/>
@@ -14125,14 +14326,6 @@
 <file path=ppt/slides/slide2.xml><?xml version="1.0" encoding="utf-8"?>
 <p:sld xmlns:a="http://schemas.openxmlformats.org/drawingml/2006/main" xmlns:r="http://schemas.openxmlformats.org/officeDocument/2006/relationships" xmlns:p="http://schemas.openxmlformats.org/presentationml/2006/main">
   <p:cSld>
-    <p:bg>
-      <p:bgPr>
-        <a:solidFill>
-          <a:srgbClr val="1F3046"/>
-        </a:solidFill>
-        <a:effectLst/>
-      </p:bgPr>
-    </p:bg>
     <p:spTree>
       <p:nvGrpSpPr>
         <p:cNvPr id="1" name=""/>
@@ -14299,40 +14492,6 @@
           </a:p>
         </p:txBody>
       </p:sp>
-      <p:pic>
-        <p:nvPicPr>
-          <p:cNvPr id="6" name="Picture 6"/>
-          <p:cNvPicPr>
-            <a:picLocks noChangeAspect="1"/>
-          </p:cNvPicPr>
-          <p:nvPr/>
-        </p:nvPicPr>
-        <p:blipFill>
-          <a:blip r:embed="rId3">
-            <a:extLst>
-              <a:ext uri="{28A0092B-C50C-407E-A947-70E740481C1C}">
-                <a14:useLocalDpi xmlns:a14="http://schemas.microsoft.com/office/drawing/2010/main" val="0"/>
-              </a:ext>
-              <a:ext uri="{96DAC541-7B7A-43D3-8B79-37D633B846F1}">
-                <asvg:svgBlip xmlns:asvg="http://schemas.microsoft.com/office/drawing/2016/SVG/main" r:embed="rId4"/>
-              </a:ext>
-            </a:extLst>
-          </a:blip>
-          <a:srcRect/>
-          <a:stretch>
-            <a:fillRect/>
-          </a:stretch>
-        </p:blipFill>
-        <p:spPr>
-          <a:xfrm>
-            <a:off x="8100489" y="1265443"/>
-            <a:ext cx="3602815" cy="3602815"/>
-          </a:xfrm>
-          <a:prstGeom prst="rect">
-            <a:avLst/>
-          </a:prstGeom>
-        </p:spPr>
-      </p:pic>
       <p:sp>
         <p:nvSpPr>
           <p:cNvPr id="7" name="AutoShape 7"/>
@@ -14399,37 +14558,6 @@
               </a:rPr>
               <a:t>SCAN FOR MORE INFORMATION</a:t>
             </a:r>
-          </a:p>
-        </p:txBody>
-      </p:sp>
-      <p:sp>
-        <p:nvSpPr>
-          <p:cNvPr id="9" name="AutoShape 9"/>
-          <p:cNvSpPr/>
-          <p:nvPr/>
-        </p:nvSpPr>
-        <p:spPr>
-          <a:xfrm rot="-8485671">
-            <a:off x="790578" y="4457827"/>
-            <a:ext cx="1015217" cy="0"/>
-          </a:xfrm>
-          <a:prstGeom prst="line">
-            <a:avLst/>
-          </a:prstGeom>
-          <a:ln w="66675" cap="flat">
-            <a:solidFill>
-              <a:srgbClr val="3590FA"/>
-            </a:solidFill>
-            <a:prstDash val="solid"/>
-            <a:headEnd type="none" w="sm" len="sm"/>
-            <a:tailEnd type="none" w="sm" len="sm"/>
-          </a:ln>
-        </p:spPr>
-        <p:txBody>
-          <a:bodyPr/>
-          <a:lstStyle/>
-          <a:p>
-            <a:endParaRPr lang="en-US"/>
           </a:p>
         </p:txBody>
       </p:sp>
@@ -14613,13 +14741,13 @@
           <p:nvPr/>
         </p:nvPicPr>
         <p:blipFill>
-          <a:blip r:embed="rId5">
+          <a:blip r:embed="rId3">
             <a:extLst>
               <a:ext uri="{28A0092B-C50C-407E-A947-70E740481C1C}">
                 <a14:useLocalDpi xmlns:a14="http://schemas.microsoft.com/office/drawing/2010/main" val="0"/>
               </a:ext>
               <a:ext uri="{96DAC541-7B7A-43D3-8B79-37D633B846F1}">
-                <asvg:svgBlip xmlns:asvg="http://schemas.microsoft.com/office/drawing/2016/SVG/main" r:embed="rId6"/>
+                <asvg:svgBlip xmlns:asvg="http://schemas.microsoft.com/office/drawing/2016/SVG/main" r:embed="rId4"/>
               </a:ext>
             </a:extLst>
           </a:blip>
@@ -14638,115 +14766,6 @@
           </a:prstGeom>
         </p:spPr>
       </p:pic>
-      <p:grpSp>
-        <p:nvGrpSpPr>
-          <p:cNvPr id="16" name="Group 16"/>
-          <p:cNvGrpSpPr/>
-          <p:nvPr/>
-        </p:nvGrpSpPr>
-        <p:grpSpPr>
-          <a:xfrm rot="-5400000">
-            <a:off x="495139" y="3315206"/>
-            <a:ext cx="981011" cy="981011"/>
-            <a:chOff x="0" y="0"/>
-            <a:chExt cx="812800" cy="812800"/>
-          </a:xfrm>
-        </p:grpSpPr>
-        <p:sp>
-          <p:nvSpPr>
-            <p:cNvPr id="17" name="Freeform 17"/>
-            <p:cNvSpPr/>
-            <p:nvPr/>
-          </p:nvSpPr>
-          <p:spPr>
-            <a:xfrm>
-              <a:off x="1813" y="0"/>
-              <a:ext cx="809173" cy="812800"/>
-            </a:xfrm>
-            <a:custGeom>
-              <a:avLst/>
-              <a:gdLst/>
-              <a:ahLst/>
-              <a:cxnLst/>
-              <a:rect l="l" t="t" r="r" b="b"/>
-              <a:pathLst>
-                <a:path w="809173" h="812800">
-                  <a:moveTo>
-                    <a:pt x="404587" y="0"/>
-                  </a:moveTo>
-                  <a:cubicBezTo>
-                    <a:pt x="628326" y="1001"/>
-                    <a:pt x="809174" y="182659"/>
-                    <a:pt x="809174" y="406400"/>
-                  </a:cubicBezTo>
-                  <a:cubicBezTo>
-                    <a:pt x="809174" y="630141"/>
-                    <a:pt x="628326" y="811799"/>
-                    <a:pt x="404587" y="812800"/>
-                  </a:cubicBezTo>
-                  <a:cubicBezTo>
-                    <a:pt x="180848" y="811799"/>
-                    <a:pt x="0" y="630141"/>
-                    <a:pt x="0" y="406400"/>
-                  </a:cubicBezTo>
-                  <a:cubicBezTo>
-                    <a:pt x="0" y="182659"/>
-                    <a:pt x="180848" y="1001"/>
-                    <a:pt x="404587" y="0"/>
-                  </a:cubicBezTo>
-                  <a:close/>
-                </a:path>
-              </a:pathLst>
-            </a:custGeom>
-            <a:solidFill>
-              <a:srgbClr val="3590FA"/>
-            </a:solidFill>
-          </p:spPr>
-          <p:txBody>
-            <a:bodyPr/>
-            <a:lstStyle/>
-            <a:p>
-              <a:endParaRPr lang="en-US"/>
-            </a:p>
-          </p:txBody>
-        </p:sp>
-        <p:sp>
-          <p:nvSpPr>
-            <p:cNvPr id="18" name="TextBox 18"/>
-            <p:cNvSpPr txBox="1"/>
-            <p:nvPr/>
-          </p:nvSpPr>
-          <p:spPr>
-            <a:xfrm>
-              <a:off x="76200" y="57150"/>
-              <a:ext cx="660400" cy="679450"/>
-            </a:xfrm>
-            <a:prstGeom prst="rect">
-              <a:avLst/>
-            </a:prstGeom>
-          </p:spPr>
-          <p:txBody>
-            <a:bodyPr lIns="33867" tIns="33867" rIns="33867" bIns="33867" rtlCol="0" anchor="ctr"/>
-            <a:lstStyle/>
-            <a:p>
-              <a:pPr algn="ctr" defTabSz="609630">
-                <a:lnSpc>
-                  <a:spcPts val="933"/>
-                </a:lnSpc>
-                <a:spcBef>
-                  <a:spcPct val="0"/>
-                </a:spcBef>
-              </a:pPr>
-              <a:endParaRPr sz="1200">
-                <a:solidFill>
-                  <a:prstClr val="black"/>
-                </a:solidFill>
-                <a:latin typeface="Calibri"/>
-              </a:endParaRPr>
-            </a:p>
-          </p:txBody>
-        </p:sp>
-      </p:grpSp>
       <p:sp>
         <p:nvSpPr>
           <p:cNvPr id="19" name="AutoShape 19"/>
@@ -14927,13 +14946,13 @@
           <p:nvPr/>
         </p:nvPicPr>
         <p:blipFill>
-          <a:blip r:embed="rId7" cstate="print">
+          <a:blip r:embed="rId5" cstate="print">
             <a:extLst>
               <a:ext uri="{28A0092B-C50C-407E-A947-70E740481C1C}">
                 <a14:useLocalDpi xmlns:a14="http://schemas.microsoft.com/office/drawing/2010/main" val="0"/>
               </a:ext>
               <a:ext uri="{96DAC541-7B7A-43D3-8B79-37D633B846F1}">
-                <asvg:svgBlip xmlns:asvg="http://schemas.microsoft.com/office/drawing/2016/SVG/main" r:embed="rId8"/>
+                <asvg:svgBlip xmlns:asvg="http://schemas.microsoft.com/office/drawing/2016/SVG/main" r:embed="rId6"/>
               </a:ext>
             </a:extLst>
           </a:blip>
@@ -15179,13 +15198,13 @@
           <p:nvPr/>
         </p:nvPicPr>
         <p:blipFill>
-          <a:blip r:embed="rId9" cstate="print">
+          <a:blip r:embed="rId7" cstate="print">
             <a:extLst>
               <a:ext uri="{28A0092B-C50C-407E-A947-70E740481C1C}">
                 <a14:useLocalDpi xmlns:a14="http://schemas.microsoft.com/office/drawing/2010/main" val="0"/>
               </a:ext>
               <a:ext uri="{96DAC541-7B7A-43D3-8B79-37D633B846F1}">
-                <asvg:svgBlip xmlns:asvg="http://schemas.microsoft.com/office/drawing/2016/SVG/main" r:embed="rId10"/>
+                <asvg:svgBlip xmlns:asvg="http://schemas.microsoft.com/office/drawing/2016/SVG/main" r:embed="rId8"/>
               </a:ext>
             </a:extLst>
           </a:blip>
@@ -15322,13 +15341,13 @@
           <p:nvPr/>
         </p:nvPicPr>
         <p:blipFill>
-          <a:blip r:embed="rId11" cstate="print">
+          <a:blip r:embed="rId9" cstate="print">
             <a:extLst>
               <a:ext uri="{28A0092B-C50C-407E-A947-70E740481C1C}">
                 <a14:useLocalDpi xmlns:a14="http://schemas.microsoft.com/office/drawing/2010/main" val="0"/>
               </a:ext>
               <a:ext uri="{96DAC541-7B7A-43D3-8B79-37D633B846F1}">
-                <asvg:svgBlip xmlns:asvg="http://schemas.microsoft.com/office/drawing/2016/SVG/main" r:embed="rId12"/>
+                <asvg:svgBlip xmlns:asvg="http://schemas.microsoft.com/office/drawing/2016/SVG/main" r:embed="rId10"/>
               </a:ext>
             </a:extLst>
           </a:blip>
@@ -15356,13 +15375,13 @@
           <p:nvPr/>
         </p:nvPicPr>
         <p:blipFill>
-          <a:blip r:embed="rId13">
+          <a:blip r:embed="rId11">
             <a:extLst>
               <a:ext uri="{28A0092B-C50C-407E-A947-70E740481C1C}">
                 <a14:useLocalDpi xmlns:a14="http://schemas.microsoft.com/office/drawing/2010/main" val="0"/>
               </a:ext>
               <a:ext uri="{96DAC541-7B7A-43D3-8B79-37D633B846F1}">
-                <asvg:svgBlip xmlns:asvg="http://schemas.microsoft.com/office/drawing/2016/SVG/main" r:embed="rId14"/>
+                <asvg:svgBlip xmlns:asvg="http://schemas.microsoft.com/office/drawing/2016/SVG/main" r:embed="rId12"/>
               </a:ext>
             </a:extLst>
           </a:blip>
@@ -15390,13 +15409,13 @@
           <p:nvPr/>
         </p:nvPicPr>
         <p:blipFill>
-          <a:blip r:embed="rId15">
+          <a:blip r:embed="rId13">
             <a:extLst>
               <a:ext uri="{28A0092B-C50C-407E-A947-70E740481C1C}">
                 <a14:useLocalDpi xmlns:a14="http://schemas.microsoft.com/office/drawing/2010/main" val="0"/>
               </a:ext>
               <a:ext uri="{96DAC541-7B7A-43D3-8B79-37D633B846F1}">
-                <asvg:svgBlip xmlns:asvg="http://schemas.microsoft.com/office/drawing/2016/SVG/main" r:embed="rId16"/>
+                <asvg:svgBlip xmlns:asvg="http://schemas.microsoft.com/office/drawing/2016/SVG/main" r:embed="rId14"/>
               </a:ext>
             </a:extLst>
           </a:blip>
@@ -15415,7 +15434,42 @@
           </a:prstGeom>
         </p:spPr>
       </p:pic>
+      <p:pic>
+        <p:nvPicPr>
+          <p:cNvPr id="39" name="Picture 38">
+            <a:extLst>
+              <a:ext uri="{FF2B5EF4-FFF2-40B4-BE49-F238E27FC236}">
+                <a16:creationId xmlns:a16="http://schemas.microsoft.com/office/drawing/2014/main" id="{8C940425-CA0C-4D1B-8FE6-1CC0AFD5C301}"/>
+              </a:ext>
+            </a:extLst>
+          </p:cNvPr>
+          <p:cNvPicPr>
+            <a:picLocks noChangeAspect="1"/>
+          </p:cNvPicPr>
+          <p:nvPr/>
+        </p:nvPicPr>
+        <p:blipFill>
+          <a:blip r:embed="rId15"/>
+          <a:stretch>
+            <a:fillRect/>
+          </a:stretch>
+        </p:blipFill>
+        <p:spPr>
+          <a:xfrm>
+            <a:off x="966107" y="0"/>
+            <a:ext cx="10259786" cy="6858000"/>
+          </a:xfrm>
+          <a:prstGeom prst="rect">
+            <a:avLst/>
+          </a:prstGeom>
+        </p:spPr>
+      </p:pic>
     </p:spTree>
+    <p:extLst>
+      <p:ext uri="{BB962C8B-B14F-4D97-AF65-F5344CB8AC3E}">
+        <p14:creationId xmlns:p14="http://schemas.microsoft.com/office/powerpoint/2010/main" val="3882262605"/>
+      </p:ext>
+    </p:extLst>
   </p:cSld>
   <p:clrMapOvr>
     <a:masterClrMapping/>
@@ -15475,8 +15529,8 @@
           </a:p>
         </p:txBody>
       </p:sp>
-      <mc:AlternateContent xmlns:mc="http://schemas.openxmlformats.org/markup-compatibility/2006" xmlns:a14="http://schemas.microsoft.com/office/drawing/2010/main">
-        <mc:Choice Requires="a14">
+      <mc:AlternateContent xmlns:mc="http://schemas.openxmlformats.org/markup-compatibility/2006">
+        <mc:Choice xmlns:a14="http://schemas.microsoft.com/office/drawing/2010/main" Requires="a14">
           <p:sp>
             <p:nvSpPr>
               <p:cNvPr id="3" name="Content Placeholder 2"/>
@@ -15636,7 +15690,7 @@
                   <a:rPr lang="en-US" sz="2400" dirty="0">
                     <a:cs typeface="Times New Roman" panose="02020603050405020304" pitchFamily="18" charset="0"/>
                   </a:rPr>
-                  <a:t>However, doctors observe a signal </a:t>
+                  <a:t>However, doctor observes a signal </a:t>
                 </a:r>
                 <a14:m>
                   <m:oMath xmlns:m="http://schemas.openxmlformats.org/officeDocument/2006/math">
@@ -15928,7 +15982,7 @@
             </p:txBody>
           </p:sp>
         </mc:Choice>
-        <mc:Fallback xmlns="">
+        <mc:Fallback>
           <p:sp>
             <p:nvSpPr>
               <p:cNvPr id="3" name="Content Placeholder 2"/>
@@ -15956,7 +16010,7 @@
               <a:lstStyle/>
               <a:p>
                 <a:r>
-                  <a:rPr lang="en-US">
+                  <a:rPr lang="en-CA">
                     <a:noFill/>
                   </a:rPr>
                   <a:t> </a:t>
@@ -23055,6 +23109,742 @@
         </p:nvSpPr>
         <p:spPr>
           <a:xfrm>
+            <a:off x="1261872" y="3247183"/>
+            <a:ext cx="10625328" cy="1298448"/>
+          </a:xfrm>
+        </p:spPr>
+        <p:txBody>
+          <a:bodyPr>
+            <a:normAutofit/>
+          </a:bodyPr>
+          <a:lstStyle/>
+          <a:p>
+            <a:r>
+              <a:rPr lang="en-US" dirty="0" err="1"/>
+              <a:t>Kaarboe</a:t>
+            </a:r>
+            <a:r>
+              <a:rPr lang="en-US" dirty="0"/>
+              <a:t> and </a:t>
+            </a:r>
+            <a:r>
+              <a:rPr lang="en-US" dirty="0" err="1"/>
+              <a:t>Siciliani</a:t>
+            </a:r>
+            <a:r>
+              <a:rPr lang="en-US" dirty="0"/>
+              <a:t>	</a:t>
+            </a:r>
+          </a:p>
+        </p:txBody>
+      </p:sp>
+      <p:sp>
+        <p:nvSpPr>
+          <p:cNvPr id="7" name="Subtitle 4">
+            <a:extLst>
+              <a:ext uri="{FF2B5EF4-FFF2-40B4-BE49-F238E27FC236}">
+                <a16:creationId xmlns:a16="http://schemas.microsoft.com/office/drawing/2014/main" id="{592755C3-E09C-4692-E8D4-9A9FB12BD9A6}"/>
+              </a:ext>
+            </a:extLst>
+          </p:cNvPr>
+          <p:cNvSpPr txBox="1">
+            <a:spLocks/>
+          </p:cNvSpPr>
+          <p:nvPr/>
+        </p:nvSpPr>
+        <p:spPr>
+          <a:xfrm>
+            <a:off x="1235290" y="4785360"/>
+            <a:ext cx="9966109" cy="1691640"/>
+          </a:xfrm>
+          <a:prstGeom prst="rect">
+            <a:avLst/>
+          </a:prstGeom>
+        </p:spPr>
+        <p:txBody>
+          <a:bodyPr vert="horz" lIns="91440" tIns="45720" rIns="91440" bIns="45720" rtlCol="0">
+            <a:normAutofit/>
+          </a:bodyPr>
+          <a:lstStyle>
+            <a:lvl1pPr marL="0" indent="0" algn="l" defTabSz="914400" rtl="0" eaLnBrk="1" latinLnBrk="0" hangingPunct="1">
+              <a:lnSpc>
+                <a:spcPct val="95000"/>
+              </a:lnSpc>
+              <a:spcBef>
+                <a:spcPts val="1400"/>
+              </a:spcBef>
+              <a:spcAft>
+                <a:spcPts val="200"/>
+              </a:spcAft>
+              <a:buClr>
+                <a:schemeClr val="accent1"/>
+              </a:buClr>
+              <a:buSzPct val="80000"/>
+              <a:buFont typeface="Arial" pitchFamily="34" charset="0"/>
+              <a:buNone/>
+              <a:defRPr sz="2200" kern="1200" spc="10" baseline="0">
+                <a:solidFill>
+                  <a:schemeClr val="tx1">
+                    <a:lumMod val="75000"/>
+                  </a:schemeClr>
+                </a:solidFill>
+                <a:latin typeface="Times New Roman" panose="02020603050405020304" pitchFamily="18" charset="0"/>
+                <a:ea typeface="+mn-ea"/>
+                <a:cs typeface="+mn-cs"/>
+              </a:defRPr>
+            </a:lvl1pPr>
+            <a:lvl2pPr marL="457200" indent="0" algn="ctr" defTabSz="914400" rtl="0" eaLnBrk="1" latinLnBrk="0" hangingPunct="1">
+              <a:lnSpc>
+                <a:spcPct val="90000"/>
+              </a:lnSpc>
+              <a:spcBef>
+                <a:spcPts val="300"/>
+              </a:spcBef>
+              <a:spcAft>
+                <a:spcPts val="300"/>
+              </a:spcAft>
+              <a:buClr>
+                <a:schemeClr val="accent1"/>
+              </a:buClr>
+              <a:buFont typeface="Wingdings 2" pitchFamily="18" charset="2"/>
+              <a:buNone/>
+              <a:defRPr sz="2200" kern="1200">
+                <a:solidFill>
+                  <a:schemeClr val="tx1">
+                    <a:lumMod val="85000"/>
+                    <a:lumOff val="15000"/>
+                  </a:schemeClr>
+                </a:solidFill>
+                <a:latin typeface="Times New Roman" panose="02020603050405020304" pitchFamily="18" charset="0"/>
+                <a:ea typeface="+mn-ea"/>
+                <a:cs typeface="+mn-cs"/>
+              </a:defRPr>
+            </a:lvl2pPr>
+            <a:lvl3pPr marL="914400" indent="0" algn="ctr" defTabSz="914400" rtl="0" eaLnBrk="1" latinLnBrk="0" hangingPunct="1">
+              <a:lnSpc>
+                <a:spcPct val="90000"/>
+              </a:lnSpc>
+              <a:spcBef>
+                <a:spcPts val="300"/>
+              </a:spcBef>
+              <a:spcAft>
+                <a:spcPts val="300"/>
+              </a:spcAft>
+              <a:buClr>
+                <a:schemeClr val="accent1"/>
+              </a:buClr>
+              <a:buFont typeface="Wingdings 2" pitchFamily="18" charset="2"/>
+              <a:buNone/>
+              <a:defRPr sz="2200" kern="1200">
+                <a:solidFill>
+                  <a:schemeClr val="tx1">
+                    <a:lumMod val="85000"/>
+                    <a:lumOff val="15000"/>
+                  </a:schemeClr>
+                </a:solidFill>
+                <a:latin typeface="Times New Roman" panose="02020603050405020304" pitchFamily="18" charset="0"/>
+                <a:ea typeface="+mn-ea"/>
+                <a:cs typeface="+mn-cs"/>
+              </a:defRPr>
+            </a:lvl3pPr>
+            <a:lvl4pPr marL="1371600" indent="0" algn="ctr" defTabSz="914400" rtl="0" eaLnBrk="1" latinLnBrk="0" hangingPunct="1">
+              <a:lnSpc>
+                <a:spcPct val="90000"/>
+              </a:lnSpc>
+              <a:spcBef>
+                <a:spcPts val="300"/>
+              </a:spcBef>
+              <a:spcAft>
+                <a:spcPts val="300"/>
+              </a:spcAft>
+              <a:buClr>
+                <a:schemeClr val="accent1"/>
+              </a:buClr>
+              <a:buFont typeface="Wingdings 2" pitchFamily="18" charset="2"/>
+              <a:buNone/>
+              <a:defRPr sz="2000" kern="1200">
+                <a:solidFill>
+                  <a:schemeClr val="tx1">
+                    <a:lumMod val="85000"/>
+                    <a:lumOff val="15000"/>
+                  </a:schemeClr>
+                </a:solidFill>
+                <a:latin typeface="Times New Roman" panose="02020603050405020304" pitchFamily="18" charset="0"/>
+                <a:ea typeface="+mn-ea"/>
+                <a:cs typeface="+mn-cs"/>
+              </a:defRPr>
+            </a:lvl4pPr>
+            <a:lvl5pPr marL="1828800" indent="0" algn="ctr" defTabSz="914400" rtl="0" eaLnBrk="1" latinLnBrk="0" hangingPunct="1">
+              <a:lnSpc>
+                <a:spcPct val="90000"/>
+              </a:lnSpc>
+              <a:spcBef>
+                <a:spcPts val="300"/>
+              </a:spcBef>
+              <a:spcAft>
+                <a:spcPts val="300"/>
+              </a:spcAft>
+              <a:buClr>
+                <a:schemeClr val="accent1"/>
+              </a:buClr>
+              <a:buFont typeface="Wingdings 2" pitchFamily="18" charset="2"/>
+              <a:buNone/>
+              <a:defRPr sz="2000" kern="1200">
+                <a:solidFill>
+                  <a:schemeClr val="tx1">
+                    <a:lumMod val="85000"/>
+                    <a:lumOff val="15000"/>
+                  </a:schemeClr>
+                </a:solidFill>
+                <a:latin typeface="Times New Roman" panose="02020603050405020304" pitchFamily="18" charset="0"/>
+                <a:ea typeface="+mn-ea"/>
+                <a:cs typeface="+mn-cs"/>
+              </a:defRPr>
+            </a:lvl5pPr>
+            <a:lvl6pPr marL="2286000" indent="0" algn="ctr" defTabSz="914400" rtl="0" eaLnBrk="1" latinLnBrk="0" hangingPunct="1">
+              <a:lnSpc>
+                <a:spcPct val="90000"/>
+              </a:lnSpc>
+              <a:spcBef>
+                <a:spcPts val="300"/>
+              </a:spcBef>
+              <a:spcAft>
+                <a:spcPts val="300"/>
+              </a:spcAft>
+              <a:buClr>
+                <a:schemeClr val="accent1"/>
+              </a:buClr>
+              <a:buFont typeface="Wingdings 2" pitchFamily="18" charset="2"/>
+              <a:buNone/>
+              <a:defRPr sz="2000" kern="1200">
+                <a:solidFill>
+                  <a:schemeClr val="tx1">
+                    <a:lumMod val="85000"/>
+                    <a:lumOff val="15000"/>
+                  </a:schemeClr>
+                </a:solidFill>
+                <a:latin typeface="+mn-lt"/>
+                <a:ea typeface="+mn-ea"/>
+                <a:cs typeface="+mn-cs"/>
+              </a:defRPr>
+            </a:lvl6pPr>
+            <a:lvl7pPr marL="2743200" indent="0" algn="ctr" defTabSz="914400" rtl="0" eaLnBrk="1" latinLnBrk="0" hangingPunct="1">
+              <a:lnSpc>
+                <a:spcPct val="90000"/>
+              </a:lnSpc>
+              <a:spcBef>
+                <a:spcPts val="300"/>
+              </a:spcBef>
+              <a:spcAft>
+                <a:spcPts val="300"/>
+              </a:spcAft>
+              <a:buClr>
+                <a:schemeClr val="accent1"/>
+              </a:buClr>
+              <a:buFont typeface="Wingdings 2" pitchFamily="18" charset="2"/>
+              <a:buNone/>
+              <a:defRPr sz="2000" kern="1200">
+                <a:solidFill>
+                  <a:schemeClr val="tx1">
+                    <a:lumMod val="85000"/>
+                    <a:lumOff val="15000"/>
+                  </a:schemeClr>
+                </a:solidFill>
+                <a:latin typeface="+mn-lt"/>
+                <a:ea typeface="+mn-ea"/>
+                <a:cs typeface="+mn-cs"/>
+              </a:defRPr>
+            </a:lvl7pPr>
+            <a:lvl8pPr marL="3200400" indent="0" algn="ctr" defTabSz="914400" rtl="0" eaLnBrk="1" latinLnBrk="0" hangingPunct="1">
+              <a:lnSpc>
+                <a:spcPct val="90000"/>
+              </a:lnSpc>
+              <a:spcBef>
+                <a:spcPts val="300"/>
+              </a:spcBef>
+              <a:spcAft>
+                <a:spcPts val="300"/>
+              </a:spcAft>
+              <a:buClr>
+                <a:schemeClr val="accent1"/>
+              </a:buClr>
+              <a:buFont typeface="Wingdings 2" pitchFamily="18" charset="2"/>
+              <a:buNone/>
+              <a:defRPr sz="2000" kern="1200">
+                <a:solidFill>
+                  <a:schemeClr val="tx1">
+                    <a:lumMod val="85000"/>
+                    <a:lumOff val="15000"/>
+                  </a:schemeClr>
+                </a:solidFill>
+                <a:latin typeface="+mn-lt"/>
+                <a:ea typeface="+mn-ea"/>
+                <a:cs typeface="+mn-cs"/>
+              </a:defRPr>
+            </a:lvl8pPr>
+            <a:lvl9pPr marL="3657600" indent="0" algn="ctr" defTabSz="914400" rtl="0" eaLnBrk="1" latinLnBrk="0" hangingPunct="1">
+              <a:lnSpc>
+                <a:spcPct val="90000"/>
+              </a:lnSpc>
+              <a:spcBef>
+                <a:spcPts val="300"/>
+              </a:spcBef>
+              <a:spcAft>
+                <a:spcPts val="300"/>
+              </a:spcAft>
+              <a:buClr>
+                <a:schemeClr val="accent1"/>
+              </a:buClr>
+              <a:buFont typeface="Wingdings 2" pitchFamily="18" charset="2"/>
+              <a:buNone/>
+              <a:defRPr sz="2000" kern="1200">
+                <a:solidFill>
+                  <a:schemeClr val="tx1">
+                    <a:lumMod val="85000"/>
+                    <a:lumOff val="15000"/>
+                  </a:schemeClr>
+                </a:solidFill>
+                <a:latin typeface="+mn-lt"/>
+                <a:ea typeface="+mn-ea"/>
+                <a:cs typeface="+mn-cs"/>
+              </a:defRPr>
+            </a:lvl9pPr>
+          </a:lstStyle>
+          <a:p>
+            <a:r>
+              <a:rPr lang="en-US" sz="2400" dirty="0"/>
+              <a:t>“Contracts for primary and secondary care physicians and equity-efficiency trade-offs”</a:t>
+            </a:r>
+          </a:p>
+          <a:p>
+            <a:r>
+              <a:rPr lang="en-US" sz="2400" i="1" dirty="0"/>
+              <a:t>Journal of Health Economics, 2023</a:t>
+            </a:r>
+            <a:endParaRPr lang="en-US" sz="2400" dirty="0"/>
+          </a:p>
+        </p:txBody>
+      </p:sp>
+    </p:spTree>
+    <p:extLst>
+      <p:ext uri="{BB962C8B-B14F-4D97-AF65-F5344CB8AC3E}">
+        <p14:creationId xmlns:p14="http://schemas.microsoft.com/office/powerpoint/2010/main" val="1332842356"/>
+      </p:ext>
+    </p:extLst>
+  </p:cSld>
+  <p:clrMapOvr>
+    <a:masterClrMapping/>
+  </p:clrMapOvr>
+</p:sld>
+</file>
+
+<file path=ppt/slides/slide33.xml><?xml version="1.0" encoding="utf-8"?>
+<p:sld xmlns:a="http://schemas.openxmlformats.org/drawingml/2006/main" xmlns:r="http://schemas.openxmlformats.org/officeDocument/2006/relationships" xmlns:p="http://schemas.openxmlformats.org/presentationml/2006/main">
+  <p:cSld>
+    <p:spTree>
+      <p:nvGrpSpPr>
+        <p:cNvPr id="1" name=""/>
+        <p:cNvGrpSpPr/>
+        <p:nvPr/>
+      </p:nvGrpSpPr>
+      <p:grpSpPr>
+        <a:xfrm>
+          <a:off x="0" y="0"/>
+          <a:ext cx="0" cy="0"/>
+          <a:chOff x="0" y="0"/>
+          <a:chExt cx="0" cy="0"/>
+        </a:xfrm>
+      </p:grpSpPr>
+      <p:sp>
+        <p:nvSpPr>
+          <p:cNvPr id="2" name="Title 1"/>
+          <p:cNvSpPr>
+            <a:spLocks noGrp="1"/>
+          </p:cNvSpPr>
+          <p:nvPr>
+            <p:ph type="title"/>
+          </p:nvPr>
+        </p:nvSpPr>
+        <p:spPr>
+          <a:xfrm>
+            <a:off x="609600" y="272077"/>
+            <a:ext cx="10439400" cy="624840"/>
+          </a:xfrm>
+        </p:spPr>
+        <p:txBody>
+          <a:bodyPr>
+            <a:noAutofit/>
+          </a:bodyPr>
+          <a:lstStyle/>
+          <a:p>
+            <a:r>
+              <a:rPr lang="en-US" sz="3200" dirty="0">
+                <a:cs typeface="Times New Roman" panose="02020603050405020304" pitchFamily="18" charset="0"/>
+              </a:rPr>
+              <a:t>Referral/treatment scenarios</a:t>
+            </a:r>
+            <a:endParaRPr lang="en-US" sz="3600" dirty="0">
+              <a:latin typeface="Times New Roman" panose="02020603050405020304" pitchFamily="18" charset="0"/>
+              <a:cs typeface="Times New Roman" panose="02020603050405020304" pitchFamily="18" charset="0"/>
+            </a:endParaRPr>
+          </a:p>
+        </p:txBody>
+      </p:sp>
+      <p:sp>
+        <p:nvSpPr>
+          <p:cNvPr id="6" name="Content Placeholder 2">
+            <a:extLst>
+              <a:ext uri="{FF2B5EF4-FFF2-40B4-BE49-F238E27FC236}">
+                <a16:creationId xmlns:a16="http://schemas.microsoft.com/office/drawing/2014/main" id="{1E43DB50-BEDE-CBC2-46F9-A709EB8CD67C}"/>
+              </a:ext>
+            </a:extLst>
+          </p:cNvPr>
+          <p:cNvSpPr txBox="1">
+            <a:spLocks/>
+          </p:cNvSpPr>
+          <p:nvPr/>
+        </p:nvSpPr>
+        <p:spPr>
+          <a:xfrm>
+            <a:off x="609601" y="1066801"/>
+            <a:ext cx="10439400" cy="5141388"/>
+          </a:xfrm>
+          <a:prstGeom prst="rect">
+            <a:avLst/>
+          </a:prstGeom>
+        </p:spPr>
+        <p:txBody>
+          <a:bodyPr vert="horz" lIns="91440" tIns="45720" rIns="91440" bIns="45720" rtlCol="0">
+            <a:noAutofit/>
+          </a:bodyPr>
+          <a:lstStyle>
+            <a:lvl1pPr marL="182880" indent="-182880" algn="l" defTabSz="914400" rtl="0" eaLnBrk="1" latinLnBrk="0" hangingPunct="1">
+              <a:lnSpc>
+                <a:spcPct val="95000"/>
+              </a:lnSpc>
+              <a:spcBef>
+                <a:spcPts val="1400"/>
+              </a:spcBef>
+              <a:spcAft>
+                <a:spcPts val="200"/>
+              </a:spcAft>
+              <a:buClr>
+                <a:schemeClr val="accent1"/>
+              </a:buClr>
+              <a:buSzPct val="80000"/>
+              <a:buFont typeface="Arial" pitchFamily="34" charset="0"/>
+              <a:buChar char="•"/>
+              <a:defRPr sz="1800" kern="1200" spc="10" baseline="0">
+                <a:solidFill>
+                  <a:schemeClr val="tx1"/>
+                </a:solidFill>
+                <a:latin typeface="Times New Roman" panose="02020603050405020304" pitchFamily="18" charset="0"/>
+                <a:ea typeface="+mn-ea"/>
+                <a:cs typeface="+mn-cs"/>
+              </a:defRPr>
+            </a:lvl1pPr>
+            <a:lvl2pPr marL="457200" indent="-182880" algn="l" defTabSz="914400" rtl="0" eaLnBrk="1" latinLnBrk="0" hangingPunct="1">
+              <a:lnSpc>
+                <a:spcPct val="90000"/>
+              </a:lnSpc>
+              <a:spcBef>
+                <a:spcPts val="300"/>
+              </a:spcBef>
+              <a:spcAft>
+                <a:spcPts val="300"/>
+              </a:spcAft>
+              <a:buClr>
+                <a:schemeClr val="accent1"/>
+              </a:buClr>
+              <a:buFont typeface="Wingdings 2" pitchFamily="18" charset="2"/>
+              <a:buChar char=""/>
+              <a:defRPr sz="1600" kern="1200">
+                <a:solidFill>
+                  <a:schemeClr val="tx1">
+                    <a:lumMod val="85000"/>
+                    <a:lumOff val="15000"/>
+                  </a:schemeClr>
+                </a:solidFill>
+                <a:latin typeface="Times New Roman" panose="02020603050405020304" pitchFamily="18" charset="0"/>
+                <a:ea typeface="+mn-ea"/>
+                <a:cs typeface="+mn-cs"/>
+              </a:defRPr>
+            </a:lvl2pPr>
+            <a:lvl3pPr marL="731520" indent="-182880" algn="l" defTabSz="914400" rtl="0" eaLnBrk="1" latinLnBrk="0" hangingPunct="1">
+              <a:lnSpc>
+                <a:spcPct val="90000"/>
+              </a:lnSpc>
+              <a:spcBef>
+                <a:spcPts val="300"/>
+              </a:spcBef>
+              <a:spcAft>
+                <a:spcPts val="300"/>
+              </a:spcAft>
+              <a:buClr>
+                <a:schemeClr val="accent1"/>
+              </a:buClr>
+              <a:buFont typeface="Wingdings 2" pitchFamily="18" charset="2"/>
+              <a:buChar char=""/>
+              <a:defRPr sz="1400" kern="1200">
+                <a:solidFill>
+                  <a:schemeClr val="tx1">
+                    <a:lumMod val="85000"/>
+                    <a:lumOff val="15000"/>
+                  </a:schemeClr>
+                </a:solidFill>
+                <a:latin typeface="Times New Roman" panose="02020603050405020304" pitchFamily="18" charset="0"/>
+                <a:ea typeface="+mn-ea"/>
+                <a:cs typeface="+mn-cs"/>
+              </a:defRPr>
+            </a:lvl3pPr>
+            <a:lvl4pPr marL="1005840" indent="-182880" algn="l" defTabSz="914400" rtl="0" eaLnBrk="1" latinLnBrk="0" hangingPunct="1">
+              <a:lnSpc>
+                <a:spcPct val="90000"/>
+              </a:lnSpc>
+              <a:spcBef>
+                <a:spcPts val="300"/>
+              </a:spcBef>
+              <a:spcAft>
+                <a:spcPts val="300"/>
+              </a:spcAft>
+              <a:buClr>
+                <a:schemeClr val="accent1"/>
+              </a:buClr>
+              <a:buFont typeface="Wingdings 2" pitchFamily="18" charset="2"/>
+              <a:buChar char=""/>
+              <a:defRPr sz="1400" kern="1200">
+                <a:solidFill>
+                  <a:schemeClr val="tx1">
+                    <a:lumMod val="85000"/>
+                    <a:lumOff val="15000"/>
+                  </a:schemeClr>
+                </a:solidFill>
+                <a:latin typeface="Times New Roman" panose="02020603050405020304" pitchFamily="18" charset="0"/>
+                <a:ea typeface="+mn-ea"/>
+                <a:cs typeface="+mn-cs"/>
+              </a:defRPr>
+            </a:lvl4pPr>
+            <a:lvl5pPr marL="1280160" indent="-182880" algn="l" defTabSz="914400" rtl="0" eaLnBrk="1" latinLnBrk="0" hangingPunct="1">
+              <a:lnSpc>
+                <a:spcPct val="90000"/>
+              </a:lnSpc>
+              <a:spcBef>
+                <a:spcPts val="300"/>
+              </a:spcBef>
+              <a:spcAft>
+                <a:spcPts val="300"/>
+              </a:spcAft>
+              <a:buClr>
+                <a:schemeClr val="accent1"/>
+              </a:buClr>
+              <a:buFont typeface="Wingdings 2" pitchFamily="18" charset="2"/>
+              <a:buChar char=""/>
+              <a:defRPr sz="1400" kern="1200">
+                <a:solidFill>
+                  <a:schemeClr val="tx1">
+                    <a:lumMod val="85000"/>
+                    <a:lumOff val="15000"/>
+                  </a:schemeClr>
+                </a:solidFill>
+                <a:latin typeface="Times New Roman" panose="02020603050405020304" pitchFamily="18" charset="0"/>
+                <a:ea typeface="+mn-ea"/>
+                <a:cs typeface="+mn-cs"/>
+              </a:defRPr>
+            </a:lvl5pPr>
+            <a:lvl6pPr marL="1600000" indent="-228600" algn="l" defTabSz="914400" rtl="0" eaLnBrk="1" latinLnBrk="0" hangingPunct="1">
+              <a:lnSpc>
+                <a:spcPct val="90000"/>
+              </a:lnSpc>
+              <a:spcBef>
+                <a:spcPts val="300"/>
+              </a:spcBef>
+              <a:spcAft>
+                <a:spcPts val="300"/>
+              </a:spcAft>
+              <a:buClr>
+                <a:schemeClr val="accent1"/>
+              </a:buClr>
+              <a:buFont typeface="Wingdings 2" pitchFamily="18" charset="2"/>
+              <a:buChar char=""/>
+              <a:defRPr sz="1400" kern="1200">
+                <a:solidFill>
+                  <a:schemeClr val="tx1">
+                    <a:lumMod val="85000"/>
+                    <a:lumOff val="15000"/>
+                  </a:schemeClr>
+                </a:solidFill>
+                <a:latin typeface="+mn-lt"/>
+                <a:ea typeface="+mn-ea"/>
+                <a:cs typeface="+mn-cs"/>
+              </a:defRPr>
+            </a:lvl6pPr>
+            <a:lvl7pPr marL="1900000" indent="-228600" algn="l" defTabSz="914400" rtl="0" eaLnBrk="1" latinLnBrk="0" hangingPunct="1">
+              <a:lnSpc>
+                <a:spcPct val="90000"/>
+              </a:lnSpc>
+              <a:spcBef>
+                <a:spcPts val="300"/>
+              </a:spcBef>
+              <a:spcAft>
+                <a:spcPts val="300"/>
+              </a:spcAft>
+              <a:buClr>
+                <a:schemeClr val="accent1"/>
+              </a:buClr>
+              <a:buFont typeface="Wingdings 2" pitchFamily="18" charset="2"/>
+              <a:buChar char=""/>
+              <a:defRPr sz="1400" kern="1200">
+                <a:solidFill>
+                  <a:schemeClr val="tx1">
+                    <a:lumMod val="85000"/>
+                    <a:lumOff val="15000"/>
+                  </a:schemeClr>
+                </a:solidFill>
+                <a:latin typeface="+mn-lt"/>
+                <a:ea typeface="+mn-ea"/>
+                <a:cs typeface="+mn-cs"/>
+              </a:defRPr>
+            </a:lvl7pPr>
+            <a:lvl8pPr marL="2200000" indent="-228600" algn="l" defTabSz="914400" rtl="0" eaLnBrk="1" latinLnBrk="0" hangingPunct="1">
+              <a:lnSpc>
+                <a:spcPct val="90000"/>
+              </a:lnSpc>
+              <a:spcBef>
+                <a:spcPts val="300"/>
+              </a:spcBef>
+              <a:spcAft>
+                <a:spcPts val="300"/>
+              </a:spcAft>
+              <a:buClr>
+                <a:schemeClr val="accent1"/>
+              </a:buClr>
+              <a:buFont typeface="Wingdings 2" pitchFamily="18" charset="2"/>
+              <a:buChar char=""/>
+              <a:defRPr sz="1400" kern="1200">
+                <a:solidFill>
+                  <a:schemeClr val="tx1">
+                    <a:lumMod val="85000"/>
+                    <a:lumOff val="15000"/>
+                  </a:schemeClr>
+                </a:solidFill>
+                <a:latin typeface="+mn-lt"/>
+                <a:ea typeface="+mn-ea"/>
+                <a:cs typeface="+mn-cs"/>
+              </a:defRPr>
+            </a:lvl8pPr>
+            <a:lvl9pPr marL="2500000" indent="-228600" algn="l" defTabSz="914400" rtl="0" eaLnBrk="1" latinLnBrk="0" hangingPunct="1">
+              <a:lnSpc>
+                <a:spcPct val="90000"/>
+              </a:lnSpc>
+              <a:spcBef>
+                <a:spcPts val="300"/>
+              </a:spcBef>
+              <a:spcAft>
+                <a:spcPts val="300"/>
+              </a:spcAft>
+              <a:buClr>
+                <a:schemeClr val="accent1"/>
+              </a:buClr>
+              <a:buFont typeface="Wingdings 2" pitchFamily="18" charset="2"/>
+              <a:buChar char=""/>
+              <a:defRPr sz="1400" kern="1200">
+                <a:solidFill>
+                  <a:schemeClr val="tx1">
+                    <a:lumMod val="85000"/>
+                    <a:lumOff val="15000"/>
+                  </a:schemeClr>
+                </a:solidFill>
+                <a:latin typeface="+mn-lt"/>
+                <a:ea typeface="+mn-ea"/>
+                <a:cs typeface="+mn-cs"/>
+              </a:defRPr>
+            </a:lvl9pPr>
+          </a:lstStyle>
+          <a:p>
+            <a:endParaRPr lang="en-US" sz="2600" dirty="0">
+              <a:cs typeface="Times New Roman" panose="02020603050405020304" pitchFamily="18" charset="0"/>
+            </a:endParaRPr>
+          </a:p>
+        </p:txBody>
+      </p:sp>
+      <p:pic>
+        <p:nvPicPr>
+          <p:cNvPr id="5" name="Picture 4">
+            <a:extLst>
+              <a:ext uri="{FF2B5EF4-FFF2-40B4-BE49-F238E27FC236}">
+                <a16:creationId xmlns:a16="http://schemas.microsoft.com/office/drawing/2014/main" id="{3BE9EA0F-8B7D-0949-44D9-A5F4C2CB3836}"/>
+              </a:ext>
+            </a:extLst>
+          </p:cNvPr>
+          <p:cNvPicPr>
+            <a:picLocks noChangeAspect="1"/>
+          </p:cNvPicPr>
+          <p:nvPr/>
+        </p:nvPicPr>
+        <p:blipFill>
+          <a:blip r:embed="rId3"/>
+          <a:stretch>
+            <a:fillRect/>
+          </a:stretch>
+        </p:blipFill>
+        <p:spPr>
+          <a:xfrm>
+            <a:off x="5012851" y="968956"/>
+            <a:ext cx="6039693" cy="5887272"/>
+          </a:xfrm>
+          <a:prstGeom prst="rect">
+            <a:avLst/>
+          </a:prstGeom>
+        </p:spPr>
+      </p:pic>
+    </p:spTree>
+    <p:extLst>
+      <p:ext uri="{BB962C8B-B14F-4D97-AF65-F5344CB8AC3E}">
+        <p14:creationId xmlns:p14="http://schemas.microsoft.com/office/powerpoint/2010/main" val="1965592492"/>
+      </p:ext>
+    </p:extLst>
+  </p:cSld>
+  <p:clrMapOvr>
+    <a:masterClrMapping/>
+  </p:clrMapOvr>
+</p:sld>
+</file>
+
+<file path=ppt/slides/slide34.xml><?xml version="1.0" encoding="utf-8"?>
+<p:sld xmlns:a="http://schemas.openxmlformats.org/drawingml/2006/main" xmlns:r="http://schemas.openxmlformats.org/officeDocument/2006/relationships" xmlns:p="http://schemas.openxmlformats.org/presentationml/2006/main">
+  <p:cSld>
+    <p:spTree>
+      <p:nvGrpSpPr>
+        <p:cNvPr id="1" name=""/>
+        <p:cNvGrpSpPr/>
+        <p:nvPr/>
+      </p:nvGrpSpPr>
+      <p:grpSpPr>
+        <a:xfrm>
+          <a:off x="0" y="0"/>
+          <a:ext cx="0" cy="0"/>
+          <a:chOff x="0" y="0"/>
+          <a:chExt cx="0" cy="0"/>
+        </a:xfrm>
+      </p:grpSpPr>
+      <p:sp>
+        <p:nvSpPr>
+          <p:cNvPr id="4" name="Title 3">
+            <a:extLst>
+              <a:ext uri="{FF2B5EF4-FFF2-40B4-BE49-F238E27FC236}">
+                <a16:creationId xmlns:a16="http://schemas.microsoft.com/office/drawing/2014/main" id="{3959A64B-5C9A-4A9B-BA45-ADECED2E51D9}"/>
+              </a:ext>
+            </a:extLst>
+          </p:cNvPr>
+          <p:cNvSpPr>
+            <a:spLocks noGrp="1"/>
+          </p:cNvSpPr>
+          <p:nvPr>
+            <p:ph type="ctrTitle"/>
+          </p:nvPr>
+        </p:nvSpPr>
+        <p:spPr>
+          <a:xfrm>
             <a:off x="1261872" y="3276600"/>
             <a:ext cx="10625328" cy="1298448"/>
           </a:xfrm>
@@ -23371,7 +24161,7 @@
 </p:sld>
 </file>
 
-<file path=ppt/slides/slide33.xml><?xml version="1.0" encoding="utf-8"?>
+<file path=ppt/slides/slide35.xml><?xml version="1.0" encoding="utf-8"?>
 <p:sld xmlns:a="http://schemas.openxmlformats.org/drawingml/2006/main" xmlns:r="http://schemas.openxmlformats.org/officeDocument/2006/relationships" xmlns:p="http://schemas.openxmlformats.org/presentationml/2006/main">
   <p:cSld>
     <p:spTree>
@@ -24012,7 +24802,7 @@
 </p:sld>
 </file>
 
-<file path=ppt/slides/slide34.xml><?xml version="1.0" encoding="utf-8"?>
+<file path=ppt/slides/slide36.xml><?xml version="1.0" encoding="utf-8"?>
 <p:sld xmlns:a="http://schemas.openxmlformats.org/drawingml/2006/main" xmlns:r="http://schemas.openxmlformats.org/officeDocument/2006/relationships" xmlns:p="http://schemas.openxmlformats.org/presentationml/2006/main">
   <p:cSld>
     <p:spTree>
@@ -24708,7 +25498,7 @@
 </p:sld>
 </file>
 
-<file path=ppt/slides/slide35.xml><?xml version="1.0" encoding="utf-8"?>
+<file path=ppt/slides/slide37.xml><?xml version="1.0" encoding="utf-8"?>
 <p:sld xmlns:a="http://schemas.openxmlformats.org/drawingml/2006/main" xmlns:r="http://schemas.openxmlformats.org/officeDocument/2006/relationships" xmlns:p="http://schemas.openxmlformats.org/presentationml/2006/main">
   <p:cSld>
     <p:spTree>
